--- a/Prioli_Final_Proj.pptx
+++ b/Prioli_Final_Proj.pptx
@@ -127,6 +127,11 @@
             <a:srgbClr val="A4A3A4"/>
           </p15:clr>
         </p15:guide>
+        <p15:guide id="3" pos="7680" userDrawn="1">
+          <p15:clr>
+            <a:srgbClr val="A4A3A4"/>
+          </p15:clr>
+        </p15:guide>
       </p15:sldGuideLst>
     </p:ext>
   </p:extLst>
@@ -333,7 +338,7 @@
           <a:p>
             <a:fld id="{CF647BC4-379F-449B-8ACB-1D0356C51E22}" type="datetimeFigureOut">
               <a:rPr lang="en-US" smtClean="0"/>
-              <a:t>12/9/2018</a:t>
+              <a:t>12/10/2018</a:t>
             </a:fld>
             <a:endParaRPr lang="en-US"/>
           </a:p>
@@ -523,7 +528,7 @@
           <a:p>
             <a:fld id="{CF647BC4-379F-449B-8ACB-1D0356C51E22}" type="datetimeFigureOut">
               <a:rPr lang="en-US" smtClean="0"/>
-              <a:t>12/9/2018</a:t>
+              <a:t>12/10/2018</a:t>
             </a:fld>
             <a:endParaRPr lang="en-US"/>
           </a:p>
@@ -703,7 +708,7 @@
           <a:p>
             <a:fld id="{CF647BC4-379F-449B-8ACB-1D0356C51E22}" type="datetimeFigureOut">
               <a:rPr lang="en-US" smtClean="0"/>
-              <a:t>12/9/2018</a:t>
+              <a:t>12/10/2018</a:t>
             </a:fld>
             <a:endParaRPr lang="en-US"/>
           </a:p>
@@ -894,7 +899,7 @@
           <a:p>
             <a:fld id="{CF647BC4-379F-449B-8ACB-1D0356C51E22}" type="datetimeFigureOut">
               <a:rPr lang="en-US" smtClean="0"/>
-              <a:t>12/9/2018</a:t>
+              <a:t>12/10/2018</a:t>
             </a:fld>
             <a:endParaRPr lang="en-US"/>
           </a:p>
@@ -1150,7 +1155,7 @@
           <a:p>
             <a:fld id="{CF647BC4-379F-449B-8ACB-1D0356C51E22}" type="datetimeFigureOut">
               <a:rPr lang="en-US" smtClean="0"/>
-              <a:t>12/9/2018</a:t>
+              <a:t>12/10/2018</a:t>
             </a:fld>
             <a:endParaRPr lang="en-US"/>
           </a:p>
@@ -1438,7 +1443,7 @@
           <a:p>
             <a:fld id="{CF647BC4-379F-449B-8ACB-1D0356C51E22}" type="datetimeFigureOut">
               <a:rPr lang="en-US" smtClean="0"/>
-              <a:t>12/9/2018</a:t>
+              <a:t>12/10/2018</a:t>
             </a:fld>
             <a:endParaRPr lang="en-US"/>
           </a:p>
@@ -1876,7 +1881,7 @@
           <a:p>
             <a:fld id="{CF647BC4-379F-449B-8ACB-1D0356C51E22}" type="datetimeFigureOut">
               <a:rPr lang="en-US" smtClean="0"/>
-              <a:t>12/9/2018</a:t>
+              <a:t>12/10/2018</a:t>
             </a:fld>
             <a:endParaRPr lang="en-US"/>
           </a:p>
@@ -1994,7 +1999,7 @@
           <a:p>
             <a:fld id="{CF647BC4-379F-449B-8ACB-1D0356C51E22}" type="datetimeFigureOut">
               <a:rPr lang="en-US" smtClean="0"/>
-              <a:t>12/9/2018</a:t>
+              <a:t>12/10/2018</a:t>
             </a:fld>
             <a:endParaRPr lang="en-US"/>
           </a:p>
@@ -2089,7 +2094,7 @@
           <a:p>
             <a:fld id="{CF647BC4-379F-449B-8ACB-1D0356C51E22}" type="datetimeFigureOut">
               <a:rPr lang="en-US" smtClean="0"/>
-              <a:t>12/9/2018</a:t>
+              <a:t>12/10/2018</a:t>
             </a:fld>
             <a:endParaRPr lang="en-US"/>
           </a:p>
@@ -2445,7 +2450,7 @@
           <a:p>
             <a:fld id="{CF647BC4-379F-449B-8ACB-1D0356C51E22}" type="datetimeFigureOut">
               <a:rPr lang="en-US" smtClean="0"/>
-              <a:t>12/9/2018</a:t>
+              <a:t>12/10/2018</a:t>
             </a:fld>
             <a:endParaRPr lang="en-US"/>
           </a:p>
@@ -2761,7 +2766,7 @@
           <a:p>
             <a:fld id="{CF647BC4-379F-449B-8ACB-1D0356C51E22}" type="datetimeFigureOut">
               <a:rPr lang="en-US" smtClean="0"/>
-              <a:t>12/9/2018</a:t>
+              <a:t>12/10/2018</a:t>
             </a:fld>
             <a:endParaRPr lang="en-US"/>
           </a:p>
@@ -2993,7 +2998,7 @@
             <a:fld id="{CF647BC4-379F-449B-8ACB-1D0356C51E22}" type="datetimeFigureOut">
               <a:rPr lang="en-US" smtClean="0"/>
               <a:pPr/>
-              <a:t>12/9/2018</a:t>
+              <a:t>12/10/2018</a:t>
             </a:fld>
             <a:endParaRPr lang="en-US"/>
           </a:p>
@@ -3495,13 +3500,13 @@
         <p:spPr/>
         <p:txBody>
           <a:bodyPr>
-            <a:normAutofit lnSpcReduction="10000"/>
+            <a:normAutofit/>
           </a:bodyPr>
           <a:lstStyle/>
           <a:p>
             <a:pPr>
               <a:lnSpc>
-                <a:spcPct val="110000"/>
+                <a:spcPct val="90000"/>
               </a:lnSpc>
               <a:spcBef>
                 <a:spcPts val="0"/>
@@ -3515,7 +3520,7 @@
           <a:p>
             <a:pPr>
               <a:lnSpc>
-                <a:spcPct val="110000"/>
+                <a:spcPct val="90000"/>
               </a:lnSpc>
               <a:spcBef>
                 <a:spcPts val="0"/>
@@ -3529,7 +3534,7 @@
           <a:p>
             <a:pPr>
               <a:lnSpc>
-                <a:spcPct val="110000"/>
+                <a:spcPct val="90000"/>
               </a:lnSpc>
               <a:spcBef>
                 <a:spcPts val="0"/>
@@ -3912,12 +3917,6 @@
             <a:pPr marL="0" indent="0">
               <a:buNone/>
             </a:pPr>
-            <a:endParaRPr lang="en-US" dirty="0"/>
-          </a:p>
-          <a:p>
-            <a:pPr marL="0" indent="0">
-              <a:buNone/>
-            </a:pPr>
             <a:r>
               <a:rPr lang="en-US" dirty="0">
                 <a:hlinkClick r:id="rId2"/>
@@ -3967,7 +3966,7 @@
             <p:ph sz="half" idx="2"/>
           </p:nvPr>
         </p:nvPicPr>
-        <p:blipFill rotWithShape="1">
+        <p:blipFill>
           <a:blip r:embed="rId3">
             <a:extLst>
               <a:ext uri="{28A0092B-C50C-407E-A947-70E740481C1C}">
@@ -3975,13 +3974,14 @@
               </a:ext>
             </a:extLst>
           </a:blip>
-          <a:srcRect l="9844" t="9096" r="9460" b="9861"/>
-          <a:stretch/>
+          <a:stretch>
+            <a:fillRect/>
+          </a:stretch>
         </p:blipFill>
         <p:spPr>
           <a:xfrm>
-            <a:off x="2153538" y="3881798"/>
-            <a:ext cx="2305879" cy="2315817"/>
+            <a:off x="1891284" y="3890286"/>
+            <a:ext cx="2305879" cy="2296454"/>
           </a:xfrm>
         </p:spPr>
       </p:pic>
@@ -4215,13 +4215,6 @@
           </a:p>
           <a:p>
             <a:pPr marL="0" indent="0">
-              <a:buFont typeface="Arial" panose="020B0604020202020204" pitchFamily="34" charset="0"/>
-              <a:buNone/>
-            </a:pPr>
-            <a:endParaRPr lang="en-US" dirty="0"/>
-          </a:p>
-          <a:p>
-            <a:pPr marL="0" indent="0">
               <a:buNone/>
             </a:pPr>
             <a:r>
@@ -4266,7 +4259,7 @@
           </p:cNvPicPr>
           <p:nvPr/>
         </p:nvPicPr>
-        <p:blipFill rotWithShape="1">
+        <p:blipFill>
           <a:blip r:embed="rId5">
             <a:extLst>
               <a:ext uri="{28A0092B-C50C-407E-A947-70E740481C1C}">
@@ -4274,13 +4267,14 @@
               </a:ext>
             </a:extLst>
           </a:blip>
-          <a:srcRect l="9054" t="8595" r="8618" b="9076"/>
-          <a:stretch/>
+          <a:stretch>
+            <a:fillRect/>
+          </a:stretch>
         </p:blipFill>
         <p:spPr>
           <a:xfrm>
-            <a:off x="7941365" y="3886200"/>
-            <a:ext cx="2313432" cy="2313432"/>
+            <a:off x="7987284" y="3892725"/>
+            <a:ext cx="2313432" cy="2291577"/>
           </a:xfrm>
           <a:prstGeom prst="rect">
             <a:avLst/>
@@ -4962,7 +4956,7 @@
             <p:ph idx="1"/>
             <p:extLst>
               <p:ext uri="{D42A27DB-BD31-4B8C-83A1-F6EECF244321}">
-                <p14:modId xmlns:p14="http://schemas.microsoft.com/office/powerpoint/2010/main" val="1757281259"/>
+                <p14:modId xmlns:p14="http://schemas.microsoft.com/office/powerpoint/2010/main" val="1139035925"/>
               </p:ext>
             </p:extLst>
           </p:nvPr>
@@ -5684,7 +5678,23 @@
                             <a:srgbClr val="404040"/>
                           </a:solidFill>
                         </a:rPr>
-                        <a:t>Life expectancy at age 60, makes and females</a:t>
+                        <a:t>Life expectancy at age 60</a:t>
+                      </a:r>
+                      <a:r>
+                        <a:rPr lang="en-US">
+                          <a:solidFill>
+                            <a:srgbClr val="404040"/>
+                          </a:solidFill>
+                        </a:rPr>
+                        <a:t>, males </a:t>
+                      </a:r>
+                      <a:r>
+                        <a:rPr lang="en-US" dirty="0">
+                          <a:solidFill>
+                            <a:srgbClr val="404040"/>
+                          </a:solidFill>
+                        </a:rPr>
+                        <a:t>and females</a:t>
                       </a:r>
                     </a:p>
                   </a:txBody>

--- a/Prioli_Final_Proj.pptx
+++ b/Prioli_Final_Proj.pptx
@@ -8,14 +8,19 @@
     <p:sldId id="256" r:id="rId2"/>
     <p:sldId id="257" r:id="rId3"/>
     <p:sldId id="258" r:id="rId4"/>
-    <p:sldId id="259" r:id="rId5"/>
-    <p:sldId id="266" r:id="rId6"/>
+    <p:sldId id="271" r:id="rId5"/>
+    <p:sldId id="259" r:id="rId6"/>
     <p:sldId id="260" r:id="rId7"/>
-    <p:sldId id="265" r:id="rId8"/>
-    <p:sldId id="263" r:id="rId9"/>
-    <p:sldId id="264" r:id="rId10"/>
-    <p:sldId id="261" r:id="rId11"/>
-    <p:sldId id="262" r:id="rId12"/>
+    <p:sldId id="268" r:id="rId8"/>
+    <p:sldId id="266" r:id="rId9"/>
+    <p:sldId id="270" r:id="rId10"/>
+    <p:sldId id="265" r:id="rId11"/>
+    <p:sldId id="267" r:id="rId12"/>
+    <p:sldId id="269" r:id="rId13"/>
+    <p:sldId id="263" r:id="rId14"/>
+    <p:sldId id="264" r:id="rId15"/>
+    <p:sldId id="261" r:id="rId16"/>
+    <p:sldId id="262" r:id="rId17"/>
   </p:sldIdLst>
   <p:sldSz cx="12192000" cy="6858000"/>
   <p:notesSz cx="6858000" cy="9144000"/>
@@ -3415,7 +3420,7 @@
       </a:lvl9pPr>
     </p:otherStyle>
   </p:txStyles>
-  <p:extLst>
+  <p:extLst mod="1">
     <p:ext uri="{27BBF7A9-308A-43DC-89C8-2F10F3537804}">
       <p15:sldGuideLst xmlns:p15="http://schemas.microsoft.com/office/powerpoint/2012/main">
         <p15:guide id="1" pos="3840" userDrawn="1">
@@ -3582,7 +3587,7 @@
           <p:cNvPr id="2" name="Title 1">
             <a:extLst>
               <a:ext uri="{FF2B5EF4-FFF2-40B4-BE49-F238E27FC236}">
-                <a16:creationId xmlns:a16="http://schemas.microsoft.com/office/drawing/2014/main" id="{6DC7B1ED-694E-40A6-8BFD-E0658AE4A81F}"/>
+                <a16:creationId xmlns:a16="http://schemas.microsoft.com/office/drawing/2014/main" id="{9C375C1D-A60F-47D9-82DB-79EDD0A16512}"/>
               </a:ext>
             </a:extLst>
           </p:cNvPr>
@@ -3600,223 +3605,99 @@
           <a:p>
             <a:r>
               <a:rPr lang="en-US" dirty="0"/>
-              <a:t>REFERENCES</a:t>
-            </a:r>
-          </a:p>
-        </p:txBody>
-      </p:sp>
-      <p:sp>
-        <p:nvSpPr>
-          <p:cNvPr id="3" name="Content Placeholder 2">
+              <a:t>DATA EXPLORATION</a:t>
+            </a:r>
+          </a:p>
+        </p:txBody>
+      </p:sp>
+      <p:pic>
+        <p:nvPicPr>
+          <p:cNvPr id="4" name="Content Placeholder 3">
             <a:extLst>
               <a:ext uri="{FF2B5EF4-FFF2-40B4-BE49-F238E27FC236}">
-                <a16:creationId xmlns:a16="http://schemas.microsoft.com/office/drawing/2014/main" id="{DEFE95A9-4EBA-4FD5-900B-D5815B5F15E8}"/>
+                <a16:creationId xmlns:a16="http://schemas.microsoft.com/office/drawing/2014/main" id="{8BFF0CA5-42B8-4F2B-95C7-27A95C54C3E2}"/>
               </a:ext>
             </a:extLst>
           </p:cNvPr>
-          <p:cNvSpPr>
-            <a:spLocks noGrp="1"/>
-          </p:cNvSpPr>
+          <p:cNvPicPr>
+            <a:picLocks noGrp="1" noChangeAspect="1"/>
+          </p:cNvPicPr>
           <p:nvPr>
             <p:ph idx="1"/>
           </p:nvPr>
-        </p:nvSpPr>
-        <p:spPr/>
-        <p:txBody>
-          <a:bodyPr>
-            <a:normAutofit/>
+        </p:nvPicPr>
+        <p:blipFill rotWithShape="1">
+          <a:blip r:embed="rId2"/>
+          <a:srcRect t="4814"/>
+          <a:stretch/>
+        </p:blipFill>
+        <p:spPr>
+          <a:xfrm>
+            <a:off x="4578923" y="1213805"/>
+            <a:ext cx="7137174" cy="5434877"/>
+          </a:xfrm>
+          <a:prstGeom prst="rect">
+            <a:avLst/>
+          </a:prstGeom>
+        </p:spPr>
+      </p:pic>
+      <p:sp>
+        <p:nvSpPr>
+          <p:cNvPr id="5" name="TextBox 4">
+            <a:extLst>
+              <a:ext uri="{FF2B5EF4-FFF2-40B4-BE49-F238E27FC236}">
+                <a16:creationId xmlns:a16="http://schemas.microsoft.com/office/drawing/2014/main" id="{3A42A85E-B47A-4DD3-B7A0-0EB0310CA3E1}"/>
+              </a:ext>
+            </a:extLst>
+          </p:cNvPr>
+          <p:cNvSpPr txBox="1"/>
+          <p:nvPr/>
+        </p:nvSpPr>
+        <p:spPr>
+          <a:xfrm>
+            <a:off x="475903" y="1288829"/>
+            <a:ext cx="4103020" cy="1754326"/>
+          </a:xfrm>
+          <a:prstGeom prst="rect">
+            <a:avLst/>
+          </a:prstGeom>
+          <a:noFill/>
+        </p:spPr>
+        <p:txBody>
+          <a:bodyPr wrap="square" rtlCol="0">
+            <a:spAutoFit/>
           </a:bodyPr>
           <a:lstStyle/>
           <a:p>
-            <a:pPr marL="347663" indent="-347663">
-              <a:lnSpc>
-                <a:spcPct val="100000"/>
-              </a:lnSpc>
-              <a:spcBef>
-                <a:spcPts val="0"/>
-              </a:spcBef>
-              <a:buFont typeface="+mj-lt"/>
-              <a:buAutoNum type="arabicPeriod"/>
+            <a:pPr marL="285750" indent="-285750">
+              <a:buFont typeface="Arial" panose="020B0604020202020204" pitchFamily="34" charset="0"/>
+              <a:buChar char="•"/>
             </a:pPr>
             <a:r>
-              <a:rPr lang="en-US" sz="1600" dirty="0"/>
-              <a:t>Helliwell, John F., Richard Layard, and Jeffrey D. Sachs. 2018. “World Happiness Report.” http://worldhappiness.report/ed/2018/.</a:t>
-            </a:r>
-          </a:p>
-          <a:p>
-            <a:pPr marL="347663" indent="-347663">
-              <a:lnSpc>
-                <a:spcPct val="100000"/>
-              </a:lnSpc>
-              <a:spcBef>
-                <a:spcPts val="0"/>
-              </a:spcBef>
-              <a:buFont typeface="+mj-lt"/>
-              <a:buAutoNum type="arabicPeriod"/>
+              <a:rPr lang="en-US" dirty="0"/>
+              <a:t>Fastest way of visualizing pairwise relationships</a:t>
+            </a:r>
+          </a:p>
+          <a:p>
+            <a:pPr marL="742950" lvl="1" indent="-285750">
+              <a:buSzPct val="80000"/>
+              <a:buFont typeface="Courier New" panose="02070309020205020404" pitchFamily="49" charset="0"/>
+              <a:buChar char="o"/>
             </a:pPr>
             <a:r>
-              <a:rPr lang="en-US" sz="1600" dirty="0"/>
-              <a:t>James, Gareth, Daniela Witten, Trevor Hastie, and Robert </a:t>
-            </a:r>
-            <a:r>
-              <a:rPr lang="en-US" sz="1600" dirty="0" err="1"/>
-              <a:t>Tibshirani</a:t>
-            </a:r>
-            <a:r>
-              <a:rPr lang="en-US" sz="1600" dirty="0"/>
-              <a:t>. 2013. “An Introduction to Statistical Learning.” Springer. https://www-bcf.usc.edu/~gareth/ISL/.</a:t>
-            </a:r>
-          </a:p>
-          <a:p>
-            <a:pPr marL="347663" indent="-347663">
-              <a:lnSpc>
-                <a:spcPct val="100000"/>
-              </a:lnSpc>
-              <a:spcBef>
-                <a:spcPts val="0"/>
-              </a:spcBef>
-              <a:buFont typeface="+mj-lt"/>
-              <a:buAutoNum type="arabicPeriod"/>
+              <a:rPr lang="en-US" dirty="0"/>
+              <a:t>Lower triangle shows scatterplots, upper triangle gives Pearson correlations</a:t>
+            </a:r>
+          </a:p>
+          <a:p>
+            <a:pPr marL="742950" lvl="1" indent="-285750">
+              <a:buSzPct val="80000"/>
+              <a:buFont typeface="Courier New" panose="02070309020205020404" pitchFamily="49" charset="0"/>
+              <a:buChar char="o"/>
             </a:pPr>
             <a:r>
-              <a:rPr lang="en-US" sz="1600" dirty="0"/>
-              <a:t>Murphy, Sherry L., </a:t>
-            </a:r>
-            <a:r>
-              <a:rPr lang="en-US" sz="1600" dirty="0" err="1"/>
-              <a:t>Jiaquan</a:t>
-            </a:r>
-            <a:r>
-              <a:rPr lang="en-US" sz="1600" dirty="0"/>
-              <a:t> Xu, Kenneth D. </a:t>
-            </a:r>
-            <a:r>
-              <a:rPr lang="en-US" sz="1600" dirty="0" err="1"/>
-              <a:t>Kochanek</a:t>
-            </a:r>
-            <a:r>
-              <a:rPr lang="en-US" sz="1600" dirty="0"/>
-              <a:t>, and Elizabeth Arias. 2018. “Mortality in the United States, 2017. NCHS Data Brief, No 328.” National Center for Health Statistics. https://www.cdc.gov/nchs/products/databriefs/db328.htm.</a:t>
-            </a:r>
-          </a:p>
-          <a:p>
-            <a:pPr marL="347663" indent="-347663">
-              <a:lnSpc>
-                <a:spcPct val="100000"/>
-              </a:lnSpc>
-              <a:spcBef>
-                <a:spcPts val="0"/>
-              </a:spcBef>
-              <a:buFont typeface="+mj-lt"/>
-              <a:buAutoNum type="arabicPeriod"/>
-            </a:pPr>
-            <a:r>
-              <a:rPr lang="en-US" sz="1600" dirty="0"/>
-              <a:t>Prioli, Katherine M. 2018. “MAT_8790_Final_Project.” https://github.com/kmprioliPROF/MAT_8790_Final_Project.</a:t>
-            </a:r>
-          </a:p>
-          <a:p>
-            <a:pPr marL="347663" indent="-347663">
-              <a:lnSpc>
-                <a:spcPct val="100000"/>
-              </a:lnSpc>
-              <a:spcBef>
-                <a:spcPts val="0"/>
-              </a:spcBef>
-              <a:buFont typeface="+mj-lt"/>
-              <a:buAutoNum type="arabicPeriod"/>
-            </a:pPr>
-            <a:r>
-              <a:rPr lang="en-US" sz="1600" dirty="0"/>
-              <a:t>Social Progress Imperative. 2018. “Social Progress Index.” https://www.socialprogress.org/?tab=4.</a:t>
-            </a:r>
-          </a:p>
-          <a:p>
-            <a:pPr marL="347663" indent="-347663">
-              <a:lnSpc>
-                <a:spcPct val="100000"/>
-              </a:lnSpc>
-              <a:spcBef>
-                <a:spcPts val="0"/>
-              </a:spcBef>
-              <a:buFont typeface="+mj-lt"/>
-              <a:buAutoNum type="arabicPeriod"/>
-            </a:pPr>
-            <a:r>
-              <a:rPr lang="en-US" sz="1600" dirty="0"/>
-              <a:t>The United Nations Development </a:t>
-            </a:r>
-            <a:r>
-              <a:rPr lang="en-US" sz="1600" dirty="0" err="1"/>
-              <a:t>Programme</a:t>
-            </a:r>
-            <a:r>
-              <a:rPr lang="en-US" sz="1600" dirty="0"/>
-              <a:t>. 2018. “Human Development Index.” http://hdr.undp.org/en/data.</a:t>
-            </a:r>
-          </a:p>
-          <a:p>
-            <a:pPr marL="347663" indent="-347663">
-              <a:lnSpc>
-                <a:spcPct val="100000"/>
-              </a:lnSpc>
-              <a:spcBef>
-                <a:spcPts val="0"/>
-              </a:spcBef>
-              <a:buFont typeface="+mj-lt"/>
-              <a:buAutoNum type="arabicPeriod"/>
-            </a:pPr>
-            <a:r>
-              <a:rPr lang="en-US" sz="1600" dirty="0"/>
-              <a:t>The World Bank. 2018. “Gross Domestic Product.” https://data.worldbank.org/indicator/ny.gdp.mktp.cd?view=map&amp;year_high_desc=true.</a:t>
-            </a:r>
-          </a:p>
-          <a:p>
-            <a:pPr marL="347663" indent="-347663">
-              <a:lnSpc>
-                <a:spcPct val="100000"/>
-              </a:lnSpc>
-              <a:spcBef>
-                <a:spcPts val="0"/>
-              </a:spcBef>
-              <a:buFont typeface="+mj-lt"/>
-              <a:buAutoNum type="arabicPeriod"/>
-            </a:pPr>
-            <a:r>
-              <a:rPr lang="en-US" sz="1600" dirty="0"/>
-              <a:t>World Economic Forum. 2016. “Gender Equality.” http://reports.weforum.org/global-gender-gap-report-2016/rankings/.</a:t>
-            </a:r>
-          </a:p>
-          <a:p>
-            <a:pPr marL="347663" indent="-347663">
-              <a:lnSpc>
-                <a:spcPct val="100000"/>
-              </a:lnSpc>
-              <a:spcBef>
-                <a:spcPts val="0"/>
-              </a:spcBef>
-              <a:buFont typeface="+mj-lt"/>
-              <a:buAutoNum type="arabicPeriod"/>
-            </a:pPr>
-            <a:r>
-              <a:rPr lang="en-US" sz="1600" dirty="0"/>
-              <a:t>World Health Organization. 2018a. “Life Expectancy.” http://apps.who.int/gho/data/view.main.SDG2016LEXv?lang=en.</a:t>
-            </a:r>
-          </a:p>
-          <a:p>
-            <a:pPr marL="347663" indent="-347663">
-              <a:lnSpc>
-                <a:spcPct val="100000"/>
-              </a:lnSpc>
-              <a:spcBef>
-                <a:spcPts val="0"/>
-              </a:spcBef>
-              <a:buFont typeface="+mj-lt"/>
-              <a:buAutoNum type="arabicPeriod"/>
-            </a:pPr>
-            <a:r>
-              <a:rPr lang="en-US" sz="1600" dirty="0"/>
-              <a:t>World Health Organization. 2018b. “Probability of Dying Per 1000 Live Births.” http://apps.who.int/gho/data/view.main.182?lang=en.</a:t>
+              <a:rPr lang="en-US" dirty="0"/>
+              <a:t>Density plots along the diagonal</a:t>
             </a:r>
           </a:p>
         </p:txBody>
@@ -3824,7 +3705,7 @@
     </p:spTree>
     <p:extLst>
       <p:ext uri="{BB962C8B-B14F-4D97-AF65-F5344CB8AC3E}">
-        <p14:creationId xmlns:p14="http://schemas.microsoft.com/office/powerpoint/2010/main" val="4229999681"/>
+        <p14:creationId xmlns:p14="http://schemas.microsoft.com/office/powerpoint/2010/main" val="870407094"/>
       </p:ext>
     </p:extLst>
   </p:cSld>
@@ -3856,6 +3737,779 @@
           <p:cNvPr id="2" name="Title 1">
             <a:extLst>
               <a:ext uri="{FF2B5EF4-FFF2-40B4-BE49-F238E27FC236}">
+                <a16:creationId xmlns:a16="http://schemas.microsoft.com/office/drawing/2014/main" id="{213C71F8-44C2-4158-95E6-35042D3C4488}"/>
+              </a:ext>
+            </a:extLst>
+          </p:cNvPr>
+          <p:cNvSpPr>
+            <a:spLocks noGrp="1"/>
+          </p:cNvSpPr>
+          <p:nvPr>
+            <p:ph type="title"/>
+          </p:nvPr>
+        </p:nvSpPr>
+        <p:spPr/>
+        <p:txBody>
+          <a:bodyPr/>
+          <a:lstStyle/>
+          <a:p>
+            <a:r>
+              <a:rPr lang="en-US" dirty="0"/>
+              <a:t>COUNTRY-LEVEL PLOTS</a:t>
+            </a:r>
+          </a:p>
+        </p:txBody>
+      </p:sp>
+      <p:sp>
+        <p:nvSpPr>
+          <p:cNvPr id="3" name="Content Placeholder 2">
+            <a:extLst>
+              <a:ext uri="{FF2B5EF4-FFF2-40B4-BE49-F238E27FC236}">
+                <a16:creationId xmlns:a16="http://schemas.microsoft.com/office/drawing/2014/main" id="{63D37EF3-EC8D-4754-825B-999680207D74}"/>
+              </a:ext>
+            </a:extLst>
+          </p:cNvPr>
+          <p:cNvSpPr>
+            <a:spLocks noGrp="1"/>
+          </p:cNvSpPr>
+          <p:nvPr>
+            <p:ph idx="1"/>
+          </p:nvPr>
+        </p:nvSpPr>
+        <p:spPr>
+          <a:xfrm>
+            <a:off x="476285" y="1358791"/>
+            <a:ext cx="11213340" cy="4911406"/>
+          </a:xfrm>
+        </p:spPr>
+        <p:txBody>
+          <a:bodyPr/>
+          <a:lstStyle/>
+          <a:p>
+            <a:r>
+              <a:rPr lang="en-US" dirty="0"/>
+              <a:t>US has the world’s largest GDP, yet did not appear within top 20 performing countries for several of the QoL measures, including:</a:t>
+            </a:r>
+          </a:p>
+          <a:p>
+            <a:pPr lvl="1"/>
+            <a:r>
+              <a:rPr lang="en-US" dirty="0"/>
+              <a:t>Happiness score</a:t>
+            </a:r>
+          </a:p>
+          <a:p>
+            <a:pPr lvl="1"/>
+            <a:r>
+              <a:rPr lang="en-US" dirty="0"/>
+              <a:t>Gender equality index</a:t>
+            </a:r>
+          </a:p>
+          <a:p>
+            <a:pPr lvl="1"/>
+            <a:r>
+              <a:rPr lang="en-US" dirty="0"/>
+              <a:t>Infant mortality rate</a:t>
+            </a:r>
+          </a:p>
+          <a:p>
+            <a:pPr lvl="1"/>
+            <a:r>
+              <a:rPr lang="en-US" dirty="0"/>
+              <a:t>Total life expectancy at birth and age 60</a:t>
+            </a:r>
+          </a:p>
+          <a:p>
+            <a:pPr lvl="1"/>
+            <a:endParaRPr lang="en-US" dirty="0"/>
+          </a:p>
+        </p:txBody>
+      </p:sp>
+    </p:spTree>
+    <p:extLst>
+      <p:ext uri="{BB962C8B-B14F-4D97-AF65-F5344CB8AC3E}">
+        <p14:creationId xmlns:p14="http://schemas.microsoft.com/office/powerpoint/2010/main" val="956874944"/>
+      </p:ext>
+    </p:extLst>
+  </p:cSld>
+  <p:clrMapOvr>
+    <a:masterClrMapping/>
+  </p:clrMapOvr>
+</p:sld>
+</file>
+
+<file path=ppt/slides/slide12.xml><?xml version="1.0" encoding="utf-8"?>
+<p:sld xmlns:a="http://schemas.openxmlformats.org/drawingml/2006/main" xmlns:r="http://schemas.openxmlformats.org/officeDocument/2006/relationships" xmlns:p="http://schemas.openxmlformats.org/presentationml/2006/main">
+  <p:cSld>
+    <p:spTree>
+      <p:nvGrpSpPr>
+        <p:cNvPr id="1" name=""/>
+        <p:cNvGrpSpPr/>
+        <p:nvPr/>
+      </p:nvGrpSpPr>
+      <p:grpSpPr>
+        <a:xfrm>
+          <a:off x="0" y="0"/>
+          <a:ext cx="0" cy="0"/>
+          <a:chOff x="0" y="0"/>
+          <a:chExt cx="0" cy="0"/>
+        </a:xfrm>
+      </p:grpSpPr>
+      <p:sp>
+        <p:nvSpPr>
+          <p:cNvPr id="2" name="Title 1">
+            <a:extLst>
+              <a:ext uri="{FF2B5EF4-FFF2-40B4-BE49-F238E27FC236}">
+                <a16:creationId xmlns:a16="http://schemas.microsoft.com/office/drawing/2014/main" id="{D3276773-732F-464D-A842-75C116FDB5D2}"/>
+              </a:ext>
+            </a:extLst>
+          </p:cNvPr>
+          <p:cNvSpPr>
+            <a:spLocks noGrp="1"/>
+          </p:cNvSpPr>
+          <p:nvPr>
+            <p:ph type="title"/>
+          </p:nvPr>
+        </p:nvSpPr>
+        <p:spPr/>
+        <p:txBody>
+          <a:bodyPr/>
+          <a:lstStyle/>
+          <a:p>
+            <a:r>
+              <a:rPr lang="en-US" dirty="0"/>
+              <a:t>CLUSTER ANALYSES</a:t>
+            </a:r>
+          </a:p>
+        </p:txBody>
+      </p:sp>
+      <p:sp>
+        <p:nvSpPr>
+          <p:cNvPr id="3" name="Content Placeholder 2">
+            <a:extLst>
+              <a:ext uri="{FF2B5EF4-FFF2-40B4-BE49-F238E27FC236}">
+                <a16:creationId xmlns:a16="http://schemas.microsoft.com/office/drawing/2014/main" id="{AB333FAA-2A10-4298-9B8C-1640B3A2153A}"/>
+              </a:ext>
+            </a:extLst>
+          </p:cNvPr>
+          <p:cNvSpPr>
+            <a:spLocks noGrp="1"/>
+          </p:cNvSpPr>
+          <p:nvPr>
+            <p:ph idx="1"/>
+          </p:nvPr>
+        </p:nvSpPr>
+        <p:spPr>
+          <a:xfrm>
+            <a:off x="476285" y="1358791"/>
+            <a:ext cx="3995068" cy="4911406"/>
+          </a:xfrm>
+        </p:spPr>
+        <p:txBody>
+          <a:bodyPr>
+            <a:normAutofit/>
+          </a:bodyPr>
+          <a:lstStyle/>
+          <a:p>
+            <a:r>
+              <a:rPr lang="en-US" sz="2000" dirty="0"/>
+              <a:t>10 cluster analyses performed</a:t>
+            </a:r>
+          </a:p>
+          <a:p>
+            <a:r>
+              <a:rPr lang="en-US" sz="2000" dirty="0"/>
+              <a:t>Base case considered </a:t>
+            </a:r>
+            <a:r>
+              <a:rPr lang="en-US" sz="2000" i="1" dirty="0"/>
+              <a:t>k</a:t>
+            </a:r>
+            <a:r>
+              <a:rPr lang="en-US" sz="2000" dirty="0"/>
+              <a:t> = 4 clusters</a:t>
+            </a:r>
+          </a:p>
+          <a:p>
+            <a:endParaRPr lang="en-US" sz="2000" dirty="0"/>
+          </a:p>
+        </p:txBody>
+      </p:sp>
+      <p:sp>
+        <p:nvSpPr>
+          <p:cNvPr id="5" name="TextBox 4">
+            <a:extLst>
+              <a:ext uri="{FF2B5EF4-FFF2-40B4-BE49-F238E27FC236}">
+                <a16:creationId xmlns:a16="http://schemas.microsoft.com/office/drawing/2014/main" id="{50873A2A-3D2B-411E-A802-876912277A5B}"/>
+              </a:ext>
+            </a:extLst>
+          </p:cNvPr>
+          <p:cNvSpPr txBox="1"/>
+          <p:nvPr/>
+        </p:nvSpPr>
+        <p:spPr>
+          <a:xfrm>
+            <a:off x="4979283" y="1733393"/>
+            <a:ext cx="6627043" cy="307777"/>
+          </a:xfrm>
+          <a:prstGeom prst="rect">
+            <a:avLst/>
+          </a:prstGeom>
+          <a:noFill/>
+        </p:spPr>
+        <p:txBody>
+          <a:bodyPr wrap="square" rtlCol="0">
+            <a:spAutoFit/>
+          </a:bodyPr>
+          <a:lstStyle/>
+          <a:p>
+            <a:r>
+              <a:rPr lang="en-US" sz="1400" b="1" dirty="0">
+                <a:solidFill>
+                  <a:srgbClr val="545454"/>
+                </a:solidFill>
+                <a:latin typeface="Calibri" panose="020F0502020204030204" pitchFamily="34" charset="0"/>
+                <a:cs typeface="Calibri" panose="020F0502020204030204" pitchFamily="34" charset="0"/>
+              </a:rPr>
+              <a:t>Cluster Analysis:  Gender Equality Index vs. Happiness Score</a:t>
+            </a:r>
+          </a:p>
+        </p:txBody>
+      </p:sp>
+      <p:pic>
+        <p:nvPicPr>
+          <p:cNvPr id="7" name="Picture 6">
+            <a:extLst>
+              <a:ext uri="{FF2B5EF4-FFF2-40B4-BE49-F238E27FC236}">
+                <a16:creationId xmlns:a16="http://schemas.microsoft.com/office/drawing/2014/main" id="{1E1C3B9A-4B05-4AE8-8276-97039B1CB1B6}"/>
+              </a:ext>
+            </a:extLst>
+          </p:cNvPr>
+          <p:cNvPicPr>
+            <a:picLocks noChangeAspect="1"/>
+          </p:cNvPicPr>
+          <p:nvPr/>
+        </p:nvPicPr>
+        <p:blipFill>
+          <a:blip r:embed="rId2"/>
+          <a:stretch>
+            <a:fillRect/>
+          </a:stretch>
+        </p:blipFill>
+        <p:spPr>
+          <a:xfrm>
+            <a:off x="4531149" y="2041169"/>
+            <a:ext cx="7437214" cy="3718607"/>
+          </a:xfrm>
+          <a:prstGeom prst="rect">
+            <a:avLst/>
+          </a:prstGeom>
+        </p:spPr>
+      </p:pic>
+    </p:spTree>
+    <p:extLst>
+      <p:ext uri="{BB962C8B-B14F-4D97-AF65-F5344CB8AC3E}">
+        <p14:creationId xmlns:p14="http://schemas.microsoft.com/office/powerpoint/2010/main" val="3669676266"/>
+      </p:ext>
+    </p:extLst>
+  </p:cSld>
+  <p:clrMapOvr>
+    <a:masterClrMapping/>
+  </p:clrMapOvr>
+</p:sld>
+</file>
+
+<file path=ppt/slides/slide13.xml><?xml version="1.0" encoding="utf-8"?>
+<p:sld xmlns:a="http://schemas.openxmlformats.org/drawingml/2006/main" xmlns:r="http://schemas.openxmlformats.org/officeDocument/2006/relationships" xmlns:p="http://schemas.openxmlformats.org/presentationml/2006/main">
+  <p:cSld>
+    <p:spTree>
+      <p:nvGrpSpPr>
+        <p:cNvPr id="1" name=""/>
+        <p:cNvGrpSpPr/>
+        <p:nvPr/>
+      </p:nvGrpSpPr>
+      <p:grpSpPr>
+        <a:xfrm>
+          <a:off x="0" y="0"/>
+          <a:ext cx="0" cy="0"/>
+          <a:chOff x="0" y="0"/>
+          <a:chExt cx="0" cy="0"/>
+        </a:xfrm>
+      </p:grpSpPr>
+      <p:sp>
+        <p:nvSpPr>
+          <p:cNvPr id="2" name="Title 1">
+            <a:extLst>
+              <a:ext uri="{FF2B5EF4-FFF2-40B4-BE49-F238E27FC236}">
+                <a16:creationId xmlns:a16="http://schemas.microsoft.com/office/drawing/2014/main" id="{3234EA4A-0D04-4C19-8DA6-CBDA2C98E30D}"/>
+              </a:ext>
+            </a:extLst>
+          </p:cNvPr>
+          <p:cNvSpPr>
+            <a:spLocks noGrp="1"/>
+          </p:cNvSpPr>
+          <p:nvPr>
+            <p:ph type="title"/>
+          </p:nvPr>
+        </p:nvSpPr>
+        <p:spPr/>
+        <p:txBody>
+          <a:bodyPr/>
+          <a:lstStyle/>
+          <a:p>
+            <a:r>
+              <a:rPr lang="en-US" dirty="0"/>
+              <a:t>SENSITIVITY ANALYSIS</a:t>
+            </a:r>
+          </a:p>
+        </p:txBody>
+      </p:sp>
+      <p:sp>
+        <p:nvSpPr>
+          <p:cNvPr id="3" name="Content Placeholder 2">
+            <a:extLst>
+              <a:ext uri="{FF2B5EF4-FFF2-40B4-BE49-F238E27FC236}">
+                <a16:creationId xmlns:a16="http://schemas.microsoft.com/office/drawing/2014/main" id="{71ECA0D4-E004-4544-870E-AA6801722539}"/>
+              </a:ext>
+            </a:extLst>
+          </p:cNvPr>
+          <p:cNvSpPr>
+            <a:spLocks noGrp="1"/>
+          </p:cNvSpPr>
+          <p:nvPr>
+            <p:ph idx="1"/>
+          </p:nvPr>
+        </p:nvSpPr>
+        <p:spPr/>
+        <p:txBody>
+          <a:bodyPr/>
+          <a:lstStyle/>
+          <a:p>
+            <a:r>
+              <a:rPr lang="en-US" dirty="0"/>
+              <a:t>Sensitivity analysis on the effect of varying </a:t>
+            </a:r>
+            <a:r>
+              <a:rPr lang="en-US" i="1" dirty="0"/>
+              <a:t>k</a:t>
+            </a:r>
+            <a:r>
+              <a:rPr lang="en-US" dirty="0"/>
+              <a:t> on the cluster position of the United States (via Shiny app):</a:t>
+            </a:r>
+          </a:p>
+          <a:p>
+            <a:pPr marL="0" indent="0">
+              <a:buNone/>
+            </a:pPr>
+            <a:endParaRPr lang="en-US" dirty="0"/>
+          </a:p>
+          <a:p>
+            <a:pPr marL="0" indent="0" algn="ctr">
+              <a:buNone/>
+            </a:pPr>
+            <a:r>
+              <a:rPr lang="en-US" dirty="0">
+                <a:hlinkClick r:id="rId2"/>
+              </a:rPr>
+              <a:t>https://kmprioli.shinyapps.io/MAT_8790_kmeans/</a:t>
+            </a:r>
+            <a:endParaRPr lang="en-US" dirty="0"/>
+          </a:p>
+        </p:txBody>
+      </p:sp>
+    </p:spTree>
+    <p:extLst>
+      <p:ext uri="{BB962C8B-B14F-4D97-AF65-F5344CB8AC3E}">
+        <p14:creationId xmlns:p14="http://schemas.microsoft.com/office/powerpoint/2010/main" val="1833157175"/>
+      </p:ext>
+    </p:extLst>
+  </p:cSld>
+  <p:clrMapOvr>
+    <a:masterClrMapping/>
+  </p:clrMapOvr>
+</p:sld>
+</file>
+
+<file path=ppt/slides/slide14.xml><?xml version="1.0" encoding="utf-8"?>
+<p:sld xmlns:a="http://schemas.openxmlformats.org/drawingml/2006/main" xmlns:r="http://schemas.openxmlformats.org/officeDocument/2006/relationships" xmlns:p="http://schemas.openxmlformats.org/presentationml/2006/main">
+  <p:cSld>
+    <p:spTree>
+      <p:nvGrpSpPr>
+        <p:cNvPr id="1" name=""/>
+        <p:cNvGrpSpPr/>
+        <p:nvPr/>
+      </p:nvGrpSpPr>
+      <p:grpSpPr>
+        <a:xfrm>
+          <a:off x="0" y="0"/>
+          <a:ext cx="0" cy="0"/>
+          <a:chOff x="0" y="0"/>
+          <a:chExt cx="0" cy="0"/>
+        </a:xfrm>
+      </p:grpSpPr>
+      <p:sp>
+        <p:nvSpPr>
+          <p:cNvPr id="2" name="Title 1">
+            <a:extLst>
+              <a:ext uri="{FF2B5EF4-FFF2-40B4-BE49-F238E27FC236}">
+                <a16:creationId xmlns:a16="http://schemas.microsoft.com/office/drawing/2014/main" id="{219FC961-4E73-41A2-A54A-93E766693C90}"/>
+              </a:ext>
+            </a:extLst>
+          </p:cNvPr>
+          <p:cNvSpPr>
+            <a:spLocks noGrp="1"/>
+          </p:cNvSpPr>
+          <p:nvPr>
+            <p:ph type="title"/>
+          </p:nvPr>
+        </p:nvSpPr>
+        <p:spPr/>
+        <p:txBody>
+          <a:bodyPr/>
+          <a:lstStyle/>
+          <a:p>
+            <a:r>
+              <a:rPr lang="en-US" dirty="0"/>
+              <a:t>DISCUSSION</a:t>
+            </a:r>
+          </a:p>
+        </p:txBody>
+      </p:sp>
+      <p:sp>
+        <p:nvSpPr>
+          <p:cNvPr id="3" name="Content Placeholder 2">
+            <a:extLst>
+              <a:ext uri="{FF2B5EF4-FFF2-40B4-BE49-F238E27FC236}">
+                <a16:creationId xmlns:a16="http://schemas.microsoft.com/office/drawing/2014/main" id="{148AF7E9-44A2-48A8-A8CF-67A80389B59B}"/>
+              </a:ext>
+            </a:extLst>
+          </p:cNvPr>
+          <p:cNvSpPr>
+            <a:spLocks noGrp="1"/>
+          </p:cNvSpPr>
+          <p:nvPr>
+            <p:ph idx="1"/>
+          </p:nvPr>
+        </p:nvSpPr>
+        <p:spPr/>
+        <p:txBody>
+          <a:bodyPr/>
+          <a:lstStyle/>
+          <a:p>
+            <a:endParaRPr lang="en-US"/>
+          </a:p>
+        </p:txBody>
+      </p:sp>
+    </p:spTree>
+    <p:extLst>
+      <p:ext uri="{BB962C8B-B14F-4D97-AF65-F5344CB8AC3E}">
+        <p14:creationId xmlns:p14="http://schemas.microsoft.com/office/powerpoint/2010/main" val="1397751707"/>
+      </p:ext>
+    </p:extLst>
+  </p:cSld>
+  <p:clrMapOvr>
+    <a:masterClrMapping/>
+  </p:clrMapOvr>
+</p:sld>
+</file>
+
+<file path=ppt/slides/slide15.xml><?xml version="1.0" encoding="utf-8"?>
+<p:sld xmlns:a="http://schemas.openxmlformats.org/drawingml/2006/main" xmlns:r="http://schemas.openxmlformats.org/officeDocument/2006/relationships" xmlns:p="http://schemas.openxmlformats.org/presentationml/2006/main">
+  <p:cSld>
+    <p:spTree>
+      <p:nvGrpSpPr>
+        <p:cNvPr id="1" name=""/>
+        <p:cNvGrpSpPr/>
+        <p:nvPr/>
+      </p:nvGrpSpPr>
+      <p:grpSpPr>
+        <a:xfrm>
+          <a:off x="0" y="0"/>
+          <a:ext cx="0" cy="0"/>
+          <a:chOff x="0" y="0"/>
+          <a:chExt cx="0" cy="0"/>
+        </a:xfrm>
+      </p:grpSpPr>
+      <p:sp>
+        <p:nvSpPr>
+          <p:cNvPr id="2" name="Title 1">
+            <a:extLst>
+              <a:ext uri="{FF2B5EF4-FFF2-40B4-BE49-F238E27FC236}">
+                <a16:creationId xmlns:a16="http://schemas.microsoft.com/office/drawing/2014/main" id="{6DC7B1ED-694E-40A6-8BFD-E0658AE4A81F}"/>
+              </a:ext>
+            </a:extLst>
+          </p:cNvPr>
+          <p:cNvSpPr>
+            <a:spLocks noGrp="1"/>
+          </p:cNvSpPr>
+          <p:nvPr>
+            <p:ph type="title"/>
+          </p:nvPr>
+        </p:nvSpPr>
+        <p:spPr/>
+        <p:txBody>
+          <a:bodyPr/>
+          <a:lstStyle/>
+          <a:p>
+            <a:r>
+              <a:rPr lang="en-US" dirty="0"/>
+              <a:t>REFERENCES</a:t>
+            </a:r>
+          </a:p>
+        </p:txBody>
+      </p:sp>
+      <p:sp>
+        <p:nvSpPr>
+          <p:cNvPr id="3" name="Content Placeholder 2">
+            <a:extLst>
+              <a:ext uri="{FF2B5EF4-FFF2-40B4-BE49-F238E27FC236}">
+                <a16:creationId xmlns:a16="http://schemas.microsoft.com/office/drawing/2014/main" id="{DEFE95A9-4EBA-4FD5-900B-D5815B5F15E8}"/>
+              </a:ext>
+            </a:extLst>
+          </p:cNvPr>
+          <p:cNvSpPr>
+            <a:spLocks noGrp="1"/>
+          </p:cNvSpPr>
+          <p:nvPr>
+            <p:ph idx="1"/>
+          </p:nvPr>
+        </p:nvSpPr>
+        <p:spPr/>
+        <p:txBody>
+          <a:bodyPr>
+            <a:normAutofit/>
+          </a:bodyPr>
+          <a:lstStyle/>
+          <a:p>
+            <a:pPr marL="347663" indent="-347663">
+              <a:lnSpc>
+                <a:spcPct val="100000"/>
+              </a:lnSpc>
+              <a:spcBef>
+                <a:spcPts val="0"/>
+              </a:spcBef>
+              <a:buFont typeface="+mj-lt"/>
+              <a:buAutoNum type="arabicPeriod"/>
+            </a:pPr>
+            <a:r>
+              <a:rPr lang="en-US" sz="1600" dirty="0"/>
+              <a:t>Helliwell, John F., Richard Layard, and Jeffrey D. Sachs. 2018. “World Happiness Report.” http://worldhappiness.report/ed/2018/.</a:t>
+            </a:r>
+          </a:p>
+          <a:p>
+            <a:pPr marL="347663" indent="-347663">
+              <a:lnSpc>
+                <a:spcPct val="100000"/>
+              </a:lnSpc>
+              <a:spcBef>
+                <a:spcPts val="0"/>
+              </a:spcBef>
+              <a:buFont typeface="+mj-lt"/>
+              <a:buAutoNum type="arabicPeriod"/>
+            </a:pPr>
+            <a:r>
+              <a:rPr lang="en-US" sz="1600" dirty="0"/>
+              <a:t>James, Gareth, Daniela Witten, Trevor Hastie, and Robert </a:t>
+            </a:r>
+            <a:r>
+              <a:rPr lang="en-US" sz="1600" dirty="0" err="1"/>
+              <a:t>Tibshirani</a:t>
+            </a:r>
+            <a:r>
+              <a:rPr lang="en-US" sz="1600" dirty="0"/>
+              <a:t>. 2013. “An Introduction to Statistical Learning.” Springer. https://www-bcf.usc.edu/~gareth/ISL/.</a:t>
+            </a:r>
+          </a:p>
+          <a:p>
+            <a:pPr marL="347663" indent="-347663">
+              <a:lnSpc>
+                <a:spcPct val="100000"/>
+              </a:lnSpc>
+              <a:spcBef>
+                <a:spcPts val="0"/>
+              </a:spcBef>
+              <a:buFont typeface="+mj-lt"/>
+              <a:buAutoNum type="arabicPeriod"/>
+            </a:pPr>
+            <a:r>
+              <a:rPr lang="en-US" sz="1600" dirty="0"/>
+              <a:t>Murphy, Sherry L., </a:t>
+            </a:r>
+            <a:r>
+              <a:rPr lang="en-US" sz="1600" dirty="0" err="1"/>
+              <a:t>Jiaquan</a:t>
+            </a:r>
+            <a:r>
+              <a:rPr lang="en-US" sz="1600" dirty="0"/>
+              <a:t> Xu, Kenneth D. </a:t>
+            </a:r>
+            <a:r>
+              <a:rPr lang="en-US" sz="1600" dirty="0" err="1"/>
+              <a:t>Kochanek</a:t>
+            </a:r>
+            <a:r>
+              <a:rPr lang="en-US" sz="1600" dirty="0"/>
+              <a:t>, and Elizabeth Arias. 2018. “Mortality in the United States, 2017. NCHS Data Brief, No 328.” National Center for Health Statistics. https://www.cdc.gov/nchs/products/databriefs/db328.htm.</a:t>
+            </a:r>
+          </a:p>
+          <a:p>
+            <a:pPr marL="347663" indent="-347663">
+              <a:lnSpc>
+                <a:spcPct val="100000"/>
+              </a:lnSpc>
+              <a:spcBef>
+                <a:spcPts val="0"/>
+              </a:spcBef>
+              <a:buFont typeface="+mj-lt"/>
+              <a:buAutoNum type="arabicPeriod"/>
+            </a:pPr>
+            <a:r>
+              <a:rPr lang="en-US" sz="1600" dirty="0"/>
+              <a:t>Prioli, Katherine M. 2018. “MAT_8790_Final_Project.” https://github.com/kmprioliPROF/MAT_8790_Final_Project.</a:t>
+            </a:r>
+          </a:p>
+          <a:p>
+            <a:pPr marL="347663" indent="-347663">
+              <a:lnSpc>
+                <a:spcPct val="100000"/>
+              </a:lnSpc>
+              <a:spcBef>
+                <a:spcPts val="0"/>
+              </a:spcBef>
+              <a:buFont typeface="+mj-lt"/>
+              <a:buAutoNum type="arabicPeriod"/>
+            </a:pPr>
+            <a:r>
+              <a:rPr lang="en-US" sz="1600" dirty="0"/>
+              <a:t>Social Progress Imperative. 2018. “Social Progress Index.” https://www.socialprogress.org/?tab=4.</a:t>
+            </a:r>
+          </a:p>
+          <a:p>
+            <a:pPr marL="347663" indent="-347663">
+              <a:lnSpc>
+                <a:spcPct val="100000"/>
+              </a:lnSpc>
+              <a:spcBef>
+                <a:spcPts val="0"/>
+              </a:spcBef>
+              <a:buFont typeface="+mj-lt"/>
+              <a:buAutoNum type="arabicPeriod"/>
+            </a:pPr>
+            <a:r>
+              <a:rPr lang="en-US" sz="1600" dirty="0"/>
+              <a:t>The United Nations Development </a:t>
+            </a:r>
+            <a:r>
+              <a:rPr lang="en-US" sz="1600" dirty="0" err="1"/>
+              <a:t>Programme</a:t>
+            </a:r>
+            <a:r>
+              <a:rPr lang="en-US" sz="1600" dirty="0"/>
+              <a:t>. 2018. “Human Development Index.” http://hdr.undp.org/en/data.</a:t>
+            </a:r>
+          </a:p>
+          <a:p>
+            <a:pPr marL="347663" indent="-347663">
+              <a:lnSpc>
+                <a:spcPct val="100000"/>
+              </a:lnSpc>
+              <a:spcBef>
+                <a:spcPts val="0"/>
+              </a:spcBef>
+              <a:buFont typeface="+mj-lt"/>
+              <a:buAutoNum type="arabicPeriod"/>
+            </a:pPr>
+            <a:r>
+              <a:rPr lang="en-US" sz="1600" dirty="0"/>
+              <a:t>The World Bank. 2018. “Gross Domestic Product.” https://data.worldbank.org/indicator/ny.gdp.mktp.cd?view=map&amp;year_high_desc=true.</a:t>
+            </a:r>
+          </a:p>
+          <a:p>
+            <a:pPr marL="347663" indent="-347663">
+              <a:lnSpc>
+                <a:spcPct val="100000"/>
+              </a:lnSpc>
+              <a:spcBef>
+                <a:spcPts val="0"/>
+              </a:spcBef>
+              <a:buFont typeface="+mj-lt"/>
+              <a:buAutoNum type="arabicPeriod"/>
+            </a:pPr>
+            <a:r>
+              <a:rPr lang="en-US" sz="1600" dirty="0"/>
+              <a:t>World Economic Forum. 2016. “Gender Equality.” http://reports.weforum.org/global-gender-gap-report-2016/rankings/.</a:t>
+            </a:r>
+          </a:p>
+          <a:p>
+            <a:pPr marL="347663" indent="-347663">
+              <a:lnSpc>
+                <a:spcPct val="100000"/>
+              </a:lnSpc>
+              <a:spcBef>
+                <a:spcPts val="0"/>
+              </a:spcBef>
+              <a:buFont typeface="+mj-lt"/>
+              <a:buAutoNum type="arabicPeriod"/>
+            </a:pPr>
+            <a:r>
+              <a:rPr lang="en-US" sz="1600" dirty="0"/>
+              <a:t>World Health Organization. 2018a. “Life Expectancy.” http://apps.who.int/gho/data/view.main.SDG2016LEXv?lang=en.</a:t>
+            </a:r>
+          </a:p>
+          <a:p>
+            <a:pPr marL="347663" indent="-347663">
+              <a:lnSpc>
+                <a:spcPct val="100000"/>
+              </a:lnSpc>
+              <a:spcBef>
+                <a:spcPts val="0"/>
+              </a:spcBef>
+              <a:buFont typeface="+mj-lt"/>
+              <a:buAutoNum type="arabicPeriod"/>
+            </a:pPr>
+            <a:r>
+              <a:rPr lang="en-US" sz="1600" dirty="0"/>
+              <a:t>World Health Organization. 2018b. “Probability of Dying Per 1000 Live Births.” http://apps.who.int/gho/data/view.main.182?lang=en.</a:t>
+            </a:r>
+          </a:p>
+        </p:txBody>
+      </p:sp>
+    </p:spTree>
+    <p:extLst>
+      <p:ext uri="{BB962C8B-B14F-4D97-AF65-F5344CB8AC3E}">
+        <p14:creationId xmlns:p14="http://schemas.microsoft.com/office/powerpoint/2010/main" val="4229999681"/>
+      </p:ext>
+    </p:extLst>
+  </p:cSld>
+  <p:clrMapOvr>
+    <a:masterClrMapping/>
+  </p:clrMapOvr>
+</p:sld>
+</file>
+
+<file path=ppt/slides/slide16.xml><?xml version="1.0" encoding="utf-8"?>
+<p:sld xmlns:a="http://schemas.openxmlformats.org/drawingml/2006/main" xmlns:r="http://schemas.openxmlformats.org/officeDocument/2006/relationships" xmlns:p="http://schemas.openxmlformats.org/presentationml/2006/main">
+  <p:cSld>
+    <p:spTree>
+      <p:nvGrpSpPr>
+        <p:cNvPr id="1" name=""/>
+        <p:cNvGrpSpPr/>
+        <p:nvPr/>
+      </p:nvGrpSpPr>
+      <p:grpSpPr>
+        <a:xfrm>
+          <a:off x="0" y="0"/>
+          <a:ext cx="0" cy="0"/>
+          <a:chOff x="0" y="0"/>
+          <a:chExt cx="0" cy="0"/>
+        </a:xfrm>
+      </p:grpSpPr>
+      <p:sp>
+        <p:nvSpPr>
+          <p:cNvPr id="2" name="Title 1">
+            <a:extLst>
+              <a:ext uri="{FF2B5EF4-FFF2-40B4-BE49-F238E27FC236}">
                 <a16:creationId xmlns:a16="http://schemas.microsoft.com/office/drawing/2014/main" id="{0879B350-2EF4-446D-81EA-088D5EA1B2AF}"/>
               </a:ext>
             </a:extLst>
@@ -3919,22 +4573,35 @@
             </a:pPr>
             <a:r>
               <a:rPr lang="en-US" dirty="0">
+                <a:solidFill>
+                  <a:schemeClr val="accent4"/>
+                </a:solidFill>
                 <a:hlinkClick r:id="rId2"/>
               </a:rPr>
               <a:t>https://github.com/kmprioliPROF/</a:t>
             </a:r>
             <a:br>
               <a:rPr lang="en-US" dirty="0">
+                <a:solidFill>
+                  <a:schemeClr val="accent4"/>
+                </a:solidFill>
                 <a:hlinkClick r:id="rId2"/>
               </a:rPr>
             </a:br>
             <a:r>
               <a:rPr lang="en-US" dirty="0">
+                <a:solidFill>
+                  <a:schemeClr val="accent4"/>
+                </a:solidFill>
                 <a:hlinkClick r:id="rId2"/>
               </a:rPr>
               <a:t>MAT_8790_Final_Project</a:t>
             </a:r>
-            <a:endParaRPr lang="en-US" dirty="0"/>
+            <a:endParaRPr lang="en-US" dirty="0">
+              <a:solidFill>
+                <a:schemeClr val="accent4"/>
+              </a:solidFill>
+            </a:endParaRPr>
           </a:p>
           <a:p>
             <a:pPr marL="0" indent="0">
@@ -4219,22 +4886,35 @@
             </a:pPr>
             <a:r>
               <a:rPr lang="en-US" dirty="0">
+                <a:solidFill>
+                  <a:schemeClr val="accent4"/>
+                </a:solidFill>
                 <a:hlinkClick r:id="rId4"/>
               </a:rPr>
               <a:t>https://kmprioli.shinyapps.io/</a:t>
             </a:r>
             <a:br>
               <a:rPr lang="en-US" dirty="0">
+                <a:solidFill>
+                  <a:schemeClr val="accent4"/>
+                </a:solidFill>
                 <a:hlinkClick r:id="rId4"/>
               </a:rPr>
             </a:br>
             <a:r>
               <a:rPr lang="en-US" dirty="0">
+                <a:solidFill>
+                  <a:schemeClr val="accent4"/>
+                </a:solidFill>
                 <a:hlinkClick r:id="rId4"/>
               </a:rPr>
               <a:t>MAT_8790_kmeans/</a:t>
             </a:r>
-            <a:endParaRPr lang="en-US" dirty="0"/>
+            <a:endParaRPr lang="en-US" dirty="0">
+              <a:solidFill>
+                <a:schemeClr val="accent4"/>
+              </a:solidFill>
+            </a:endParaRPr>
           </a:p>
           <a:p>
             <a:pPr marL="0" indent="0">
@@ -4542,10 +5222,10 @@
       </p:grpSpPr>
       <p:sp>
         <p:nvSpPr>
-          <p:cNvPr id="2" name="Title 1">
+          <p:cNvPr id="4" name="Title 3">
             <a:extLst>
               <a:ext uri="{FF2B5EF4-FFF2-40B4-BE49-F238E27FC236}">
-                <a16:creationId xmlns:a16="http://schemas.microsoft.com/office/drawing/2014/main" id="{7F4CC3D0-0CA1-49D1-A58D-ED170897A490}"/>
+                <a16:creationId xmlns:a16="http://schemas.microsoft.com/office/drawing/2014/main" id="{762E26D9-100C-420B-9ED4-EAC50CF40E21}"/>
               </a:ext>
             </a:extLst>
           </p:cNvPr>
@@ -4554,34 +5234,6 @@
           </p:cNvSpPr>
           <p:nvPr>
             <p:ph type="title"/>
-          </p:nvPr>
-        </p:nvSpPr>
-        <p:spPr/>
-        <p:txBody>
-          <a:bodyPr/>
-          <a:lstStyle/>
-          <a:p>
-            <a:r>
-              <a:rPr lang="en-US" dirty="0"/>
-              <a:t>METHODS</a:t>
-            </a:r>
-          </a:p>
-        </p:txBody>
-      </p:sp>
-      <p:sp>
-        <p:nvSpPr>
-          <p:cNvPr id="3" name="Content Placeholder 2">
-            <a:extLst>
-              <a:ext uri="{FF2B5EF4-FFF2-40B4-BE49-F238E27FC236}">
-                <a16:creationId xmlns:a16="http://schemas.microsoft.com/office/drawing/2014/main" id="{32F52577-0D70-4F76-A5F5-16B90F38E66F}"/>
-              </a:ext>
-            </a:extLst>
-          </p:cNvPr>
-          <p:cNvSpPr>
-            <a:spLocks noGrp="1"/>
-          </p:cNvSpPr>
-          <p:nvPr>
-            <p:ph idx="1"/>
           </p:nvPr>
         </p:nvSpPr>
         <p:spPr/>
@@ -4592,74 +5244,8 @@
           <a:lstStyle/>
           <a:p>
             <a:r>
-              <a:rPr lang="en-US" dirty="0"/>
-              <a:t>Three stages to the analysis:</a:t>
-            </a:r>
-          </a:p>
-          <a:p>
-            <a:pPr marL="914400" lvl="1" indent="-457200">
-              <a:buFont typeface="+mj-lt"/>
-              <a:buAutoNum type="arabicPeriod"/>
-            </a:pPr>
-            <a:r>
-              <a:rPr lang="en-US" dirty="0"/>
-              <a:t>Gather data for QoL measures of interest (various organizations) and create a country-level analytic dataset</a:t>
-            </a:r>
-          </a:p>
-          <a:p>
-            <a:pPr marL="914400" lvl="1" indent="-457200">
-              <a:buFont typeface="+mj-lt"/>
-              <a:buAutoNum type="arabicPeriod"/>
-            </a:pPr>
-            <a:r>
-              <a:rPr lang="en-US" dirty="0"/>
-              <a:t>Explore the data</a:t>
-            </a:r>
-          </a:p>
-          <a:p>
-            <a:pPr marL="1371600" lvl="2"/>
-            <a:r>
-              <a:rPr lang="en-US" dirty="0"/>
-              <a:t>Univariate descriptive statistics and visualizations</a:t>
-            </a:r>
-          </a:p>
-          <a:p>
-            <a:pPr marL="1371600" lvl="2"/>
-            <a:r>
-              <a:rPr lang="en-US" dirty="0"/>
-              <a:t>Pairwise analysis via correlation matrix</a:t>
-            </a:r>
-          </a:p>
-          <a:p>
-            <a:pPr marL="1371600" lvl="2"/>
-            <a:r>
-              <a:rPr lang="en-US" dirty="0"/>
-              <a:t>Country-level ordered bivariate plots</a:t>
-            </a:r>
-          </a:p>
-          <a:p>
-            <a:pPr marL="914400" lvl="1" indent="-457200">
-              <a:buFont typeface="+mj-lt"/>
-              <a:buAutoNum type="arabicPeriod"/>
-            </a:pPr>
-            <a:r>
-              <a:rPr lang="en-US" dirty="0"/>
-              <a:t>Perform a series of </a:t>
-            </a:r>
-            <a:r>
-              <a:rPr lang="en-US" i="1" dirty="0"/>
-              <a:t>k</a:t>
-            </a:r>
-            <a:r>
-              <a:rPr lang="en-US" dirty="0"/>
-              <a:t>-means cluster analyses</a:t>
-            </a:r>
-          </a:p>
-          <a:p>
-            <a:pPr marL="1371600" lvl="2"/>
-            <a:r>
-              <a:rPr lang="en-US" dirty="0"/>
-              <a:t>Sensitivity analysis via Shiny app</a:t>
+              <a:rPr lang="en-US" sz="4800" b="1" dirty="0"/>
+              <a:t>METHODS</a:t>
             </a:r>
           </a:p>
         </p:txBody>
@@ -4667,7 +5253,7 @@
     </p:spTree>
     <p:extLst>
       <p:ext uri="{BB962C8B-B14F-4D97-AF65-F5344CB8AC3E}">
-        <p14:creationId xmlns:p14="http://schemas.microsoft.com/office/powerpoint/2010/main" val="768879525"/>
+        <p14:creationId xmlns:p14="http://schemas.microsoft.com/office/powerpoint/2010/main" val="414037261"/>
       </p:ext>
     </p:extLst>
   </p:cSld>
@@ -4699,7 +5285,7 @@
           <p:cNvPr id="2" name="Title 1">
             <a:extLst>
               <a:ext uri="{FF2B5EF4-FFF2-40B4-BE49-F238E27FC236}">
-                <a16:creationId xmlns:a16="http://schemas.microsoft.com/office/drawing/2014/main" id="{D285681B-5BC2-4BB9-ACCC-3BB19767B48F}"/>
+                <a16:creationId xmlns:a16="http://schemas.microsoft.com/office/drawing/2014/main" id="{7F4CC3D0-0CA1-49D1-A58D-ED170897A490}"/>
               </a:ext>
             </a:extLst>
           </p:cNvPr>
@@ -4717,7 +5303,7 @@
           <a:p>
             <a:r>
               <a:rPr lang="en-US" dirty="0"/>
-              <a:t>K-MEANS CLUSTERING</a:t>
+              <a:t>METHODS</a:t>
             </a:r>
           </a:p>
         </p:txBody>
@@ -4727,7 +5313,7 @@
           <p:cNvPr id="3" name="Content Placeholder 2">
             <a:extLst>
               <a:ext uri="{FF2B5EF4-FFF2-40B4-BE49-F238E27FC236}">
-                <a16:creationId xmlns:a16="http://schemas.microsoft.com/office/drawing/2014/main" id="{37826D68-98E2-4D7D-A23F-B168031934ED}"/>
+                <a16:creationId xmlns:a16="http://schemas.microsoft.com/office/drawing/2014/main" id="{32F52577-0D70-4F76-A5F5-16B90F38E66F}"/>
               </a:ext>
             </a:extLst>
           </p:cNvPr>
@@ -4741,74 +5327,13 @@
         <p:spPr/>
         <p:txBody>
           <a:bodyPr>
-            <a:normAutofit fontScale="92500" lnSpcReduction="20000"/>
+            <a:normAutofit/>
           </a:bodyPr>
           <a:lstStyle/>
           <a:p>
             <a:r>
               <a:rPr lang="en-US" dirty="0"/>
-              <a:t>Unsupervised learning algorithm that classifies datapoints into </a:t>
-            </a:r>
-            <a:r>
-              <a:rPr lang="en-US" i="1" dirty="0"/>
-              <a:t>k</a:t>
-            </a:r>
-            <a:r>
-              <a:rPr lang="en-US" dirty="0"/>
-              <a:t> groups (or “clusters”) by minimizing total within-cluster variation for all clusters</a:t>
-            </a:r>
-          </a:p>
-          <a:p>
-            <a:pPr lvl="1"/>
-            <a:r>
-              <a:rPr lang="en-US" dirty="0"/>
-              <a:t>Uses function </a:t>
-            </a:r>
-            <a:r>
-              <a:rPr lang="en-US" sz="2000" dirty="0" err="1">
-                <a:latin typeface="Lucida Console" panose="020B0609040504020204" pitchFamily="49" charset="0"/>
-              </a:rPr>
-              <a:t>kmeans</a:t>
-            </a:r>
-            <a:r>
-              <a:rPr lang="en-US" sz="2000" dirty="0">
-                <a:latin typeface="Lucida Console" panose="020B0609040504020204" pitchFamily="49" charset="0"/>
-              </a:rPr>
-              <a:t>()</a:t>
-            </a:r>
-            <a:r>
-              <a:rPr lang="en-US" dirty="0"/>
-              <a:t>, specify desired </a:t>
-            </a:r>
-            <a:r>
-              <a:rPr lang="en-US" i="1" dirty="0"/>
-              <a:t>k</a:t>
-            </a:r>
-          </a:p>
-          <a:p>
-            <a:r>
-              <a:rPr lang="en-US" dirty="0"/>
-              <a:t>Useful when looking for some underlying grouping that naturally exists</a:t>
-            </a:r>
-          </a:p>
-          <a:p>
-            <a:r>
-              <a:rPr lang="en-US" dirty="0"/>
-              <a:t>In this study:  bivariate data plotted in the 2D plane, suspect </a:t>
-            </a:r>
-            <a:r>
-              <a:rPr lang="en-US" i="1" dirty="0"/>
-              <a:t>k</a:t>
-            </a:r>
-            <a:r>
-              <a:rPr lang="en-US" dirty="0"/>
-              <a:t> = 4 groups (HDI categories, more on next slide)</a:t>
-            </a:r>
-          </a:p>
-          <a:p>
-            <a:r>
-              <a:rPr lang="en-US" dirty="0"/>
-              <a:t>Iterative process that works by:</a:t>
+              <a:t>Three stages to the analysis:</a:t>
             </a:r>
           </a:p>
           <a:p>
@@ -4818,15 +5343,7 @@
             </a:pPr>
             <a:r>
               <a:rPr lang="en-US" dirty="0"/>
-              <a:t>Establishing </a:t>
-            </a:r>
-            <a:r>
-              <a:rPr lang="en-US" i="1" dirty="0"/>
-              <a:t>k</a:t>
-            </a:r>
-            <a:r>
-              <a:rPr lang="en-US" dirty="0"/>
-              <a:t> centroids</a:t>
+              <a:t>Gather data for QoL measures of interest (various organizations) and create a country-level analytic dataset</a:t>
             </a:r>
           </a:p>
           <a:p>
@@ -4836,7 +5353,35 @@
             </a:pPr>
             <a:r>
               <a:rPr lang="en-US" dirty="0"/>
-              <a:t>Classifying each point by which centroid is closest</a:t>
+              <a:t>Explore the data</a:t>
+            </a:r>
+          </a:p>
+          <a:p>
+            <a:pPr marL="1371600" lvl="2"/>
+            <a:r>
+              <a:rPr lang="en-US" dirty="0"/>
+              <a:t>Univariate descriptive statistics and visualizations</a:t>
+            </a:r>
+          </a:p>
+          <a:p>
+            <a:pPr marL="1371600" lvl="2"/>
+            <a:r>
+              <a:rPr lang="en-US" dirty="0"/>
+              <a:t>Pairwise analysis via correlation matrix</a:t>
+            </a:r>
+          </a:p>
+          <a:p>
+            <a:pPr marL="1371600" lvl="2"/>
+            <a:r>
+              <a:rPr lang="en-US" dirty="0"/>
+              <a:t>Country-level ordered bivariate plots</a:t>
+            </a:r>
+          </a:p>
+          <a:p>
+            <a:pPr marL="1828800" lvl="3"/>
+            <a:r>
+              <a:rPr lang="en-US" dirty="0"/>
+              <a:t>Top and bottom 20 countries for each QoL measure</a:t>
             </a:r>
           </a:p>
           <a:p>
@@ -4846,30 +5391,7 @@
             </a:pPr>
             <a:r>
               <a:rPr lang="en-US" dirty="0"/>
-              <a:t>Moving the centroids to the center of their corresponding clusters</a:t>
-            </a:r>
-          </a:p>
-          <a:p>
-            <a:pPr marL="914400" lvl="1" indent="-457200">
-              <a:buFont typeface="+mj-lt"/>
-              <a:buAutoNum type="arabicPeriod"/>
-            </a:pPr>
-            <a:r>
-              <a:rPr lang="en-US" dirty="0"/>
-              <a:t>Repeating Steps 1-3 until centroids no longer move (convergence)</a:t>
-            </a:r>
-          </a:p>
-          <a:p>
-            <a:pPr lvl="2"/>
-            <a:r>
-              <a:rPr lang="en-US" dirty="0"/>
-              <a:t>Classification established by terminal iteration is the clustering</a:t>
-            </a:r>
-          </a:p>
-          <a:p>
-            <a:r>
-              <a:rPr lang="en-US" dirty="0"/>
-              <a:t>Can perform sensitivity analysis by varying </a:t>
+              <a:t>Perform a series of </a:t>
             </a:r>
             <a:r>
               <a:rPr lang="en-US" i="1" dirty="0"/>
@@ -4877,7 +5399,36 @@
             </a:r>
             <a:r>
               <a:rPr lang="en-US" dirty="0"/>
-              <a:t> and observing what/how clusters change</a:t>
+              <a:t>-means cluster analyses</a:t>
+            </a:r>
+          </a:p>
+          <a:p>
+            <a:pPr marL="1371600" lvl="2"/>
+            <a:r>
+              <a:rPr lang="en-US" dirty="0"/>
+              <a:t>Pairwise on QoL variables for which the US did not appear among top 20 countries</a:t>
+            </a:r>
+          </a:p>
+          <a:p>
+            <a:pPr marL="1371600" lvl="2"/>
+            <a:r>
+              <a:rPr lang="en-US" dirty="0"/>
+              <a:t>Base case </a:t>
+            </a:r>
+            <a:r>
+              <a:rPr lang="en-US" i="1" dirty="0"/>
+              <a:t>k</a:t>
+            </a:r>
+            <a:r>
+              <a:rPr lang="en-US" dirty="0"/>
+              <a:t> = 4</a:t>
+            </a:r>
+          </a:p>
+          <a:p>
+            <a:pPr marL="1371600" lvl="2"/>
+            <a:r>
+              <a:rPr lang="en-US" dirty="0"/>
+              <a:t>Sensitivity analysis via Shiny app</a:t>
             </a:r>
           </a:p>
         </p:txBody>
@@ -4885,7 +5436,7 @@
     </p:spTree>
     <p:extLst>
       <p:ext uri="{BB962C8B-B14F-4D97-AF65-F5344CB8AC3E}">
-        <p14:creationId xmlns:p14="http://schemas.microsoft.com/office/powerpoint/2010/main" val="3816448275"/>
+        <p14:creationId xmlns:p14="http://schemas.microsoft.com/office/powerpoint/2010/main" val="768879525"/>
       </p:ext>
     </p:extLst>
   </p:cSld>
@@ -5757,12 +6308,41 @@
           <a:chExt cx="0" cy="0"/>
         </a:xfrm>
       </p:grpSpPr>
+      <p:pic>
+        <p:nvPicPr>
+          <p:cNvPr id="7" name="Picture 6">
+            <a:extLst>
+              <a:ext uri="{FF2B5EF4-FFF2-40B4-BE49-F238E27FC236}">
+                <a16:creationId xmlns:a16="http://schemas.microsoft.com/office/drawing/2014/main" id="{BE22F19E-56D5-4F73-A8C9-FAE0B863CCC1}"/>
+              </a:ext>
+            </a:extLst>
+          </p:cNvPr>
+          <p:cNvPicPr>
+            <a:picLocks noChangeAspect="1"/>
+          </p:cNvPicPr>
+          <p:nvPr/>
+        </p:nvPicPr>
+        <p:blipFill rotWithShape="1">
+          <a:blip r:embed="rId2"/>
+          <a:srcRect t="8719"/>
+          <a:stretch/>
+        </p:blipFill>
+        <p:spPr>
+          <a:xfrm>
+            <a:off x="6464039" y="1423447"/>
+            <a:ext cx="5225585" cy="4769963"/>
+          </a:xfrm>
+          <a:prstGeom prst="rect">
+            <a:avLst/>
+          </a:prstGeom>
+        </p:spPr>
+      </p:pic>
       <p:sp>
         <p:nvSpPr>
           <p:cNvPr id="2" name="Title 1">
             <a:extLst>
               <a:ext uri="{FF2B5EF4-FFF2-40B4-BE49-F238E27FC236}">
-                <a16:creationId xmlns:a16="http://schemas.microsoft.com/office/drawing/2014/main" id="{9C375C1D-A60F-47D9-82DB-79EDD0A16512}"/>
+                <a16:creationId xmlns:a16="http://schemas.microsoft.com/office/drawing/2014/main" id="{5FE9C31D-B83C-4498-A2D4-A283A76FFE93}"/>
               </a:ext>
             </a:extLst>
           </p:cNvPr>
@@ -5780,40 +6360,1705 @@
           <a:p>
             <a:r>
               <a:rPr lang="en-US" dirty="0"/>
-              <a:t>SELECTED RESULTS</a:t>
-            </a:r>
-          </a:p>
-        </p:txBody>
-      </p:sp>
-      <p:sp>
-        <p:nvSpPr>
-          <p:cNvPr id="3" name="Content Placeholder 2">
+              <a:t>COUNTRY-LEVEL PLOTS</a:t>
+            </a:r>
+          </a:p>
+        </p:txBody>
+      </p:sp>
+      <p:sp>
+        <p:nvSpPr>
+          <p:cNvPr id="6" name="TextBox 5">
             <a:extLst>
               <a:ext uri="{FF2B5EF4-FFF2-40B4-BE49-F238E27FC236}">
-                <a16:creationId xmlns:a16="http://schemas.microsoft.com/office/drawing/2014/main" id="{7A2BAD76-95DD-43BA-8566-7768201FE42A}"/>
+                <a16:creationId xmlns:a16="http://schemas.microsoft.com/office/drawing/2014/main" id="{4F45A83A-12DE-4FBC-BDA4-0643994E7D3B}"/>
               </a:ext>
             </a:extLst>
           </p:cNvPr>
-          <p:cNvSpPr>
-            <a:spLocks noGrp="1"/>
-          </p:cNvSpPr>
-          <p:nvPr>
-            <p:ph idx="1"/>
-          </p:nvPr>
-        </p:nvSpPr>
-        <p:spPr/>
-        <p:txBody>
-          <a:bodyPr/>
+          <p:cNvSpPr txBox="1"/>
+          <p:nvPr/>
+        </p:nvSpPr>
+        <p:spPr>
+          <a:xfrm>
+            <a:off x="475903" y="1288829"/>
+            <a:ext cx="5891646" cy="3785652"/>
+          </a:xfrm>
+          <a:prstGeom prst="rect">
+            <a:avLst/>
+          </a:prstGeom>
+          <a:solidFill>
+            <a:srgbClr val="404040"/>
+          </a:solidFill>
+          <a:ln>
+            <a:solidFill>
+              <a:schemeClr val="tx1"/>
+            </a:solidFill>
+          </a:ln>
+        </p:spPr>
+        <p:txBody>
+          <a:bodyPr wrap="square" rtlCol="0">
+            <a:spAutoFit/>
+          </a:bodyPr>
           <a:lstStyle/>
           <a:p>
-            <a:endParaRPr lang="en-US"/>
+            <a:r>
+              <a:rPr lang="en-US" sz="1000" dirty="0" err="1">
+                <a:solidFill>
+                  <a:schemeClr val="bg1"/>
+                </a:solidFill>
+                <a:latin typeface="Lucida Console" panose="020B0609040504020204" pitchFamily="49" charset="0"/>
+              </a:rPr>
+              <a:t>alldata_GDP</a:t>
+            </a:r>
+            <a:r>
+              <a:rPr lang="en-US" sz="1000" dirty="0">
+                <a:solidFill>
+                  <a:schemeClr val="bg1"/>
+                </a:solidFill>
+                <a:latin typeface="Lucida Console" panose="020B0609040504020204" pitchFamily="49" charset="0"/>
+              </a:rPr>
+              <a:t> </a:t>
+            </a:r>
+            <a:r>
+              <a:rPr lang="en-US" sz="1000" dirty="0">
+                <a:solidFill>
+                  <a:schemeClr val="accent4"/>
+                </a:solidFill>
+                <a:latin typeface="Lucida Console" panose="020B0609040504020204" pitchFamily="49" charset="0"/>
+              </a:rPr>
+              <a:t>&lt;-</a:t>
+            </a:r>
+            <a:r>
+              <a:rPr lang="en-US" sz="1000" dirty="0">
+                <a:solidFill>
+                  <a:schemeClr val="bg1"/>
+                </a:solidFill>
+                <a:latin typeface="Lucida Console" panose="020B0609040504020204" pitchFamily="49" charset="0"/>
+              </a:rPr>
+              <a:t> </a:t>
+            </a:r>
+            <a:r>
+              <a:rPr lang="en-US" sz="1000" dirty="0" err="1">
+                <a:solidFill>
+                  <a:schemeClr val="bg1"/>
+                </a:solidFill>
+                <a:latin typeface="Lucida Console" panose="020B0609040504020204" pitchFamily="49" charset="0"/>
+              </a:rPr>
+              <a:t>alldata</a:t>
+            </a:r>
+            <a:r>
+              <a:rPr lang="en-US" sz="1000" dirty="0">
+                <a:solidFill>
+                  <a:schemeClr val="bg1"/>
+                </a:solidFill>
+                <a:latin typeface="Lucida Console" panose="020B0609040504020204" pitchFamily="49" charset="0"/>
+              </a:rPr>
+              <a:t> </a:t>
+            </a:r>
+            <a:r>
+              <a:rPr lang="en-US" sz="1000" dirty="0">
+                <a:solidFill>
+                  <a:schemeClr val="accent4"/>
+                </a:solidFill>
+                <a:latin typeface="Lucida Console" panose="020B0609040504020204" pitchFamily="49" charset="0"/>
+              </a:rPr>
+              <a:t>%&gt;%</a:t>
+            </a:r>
+          </a:p>
+          <a:p>
+            <a:r>
+              <a:rPr lang="en-US" sz="1000" dirty="0">
+                <a:solidFill>
+                  <a:schemeClr val="bg1"/>
+                </a:solidFill>
+                <a:latin typeface="Lucida Console" panose="020B0609040504020204" pitchFamily="49" charset="0"/>
+              </a:rPr>
+              <a:t>  filter</a:t>
+            </a:r>
+            <a:r>
+              <a:rPr lang="en-US" sz="1000" dirty="0">
+                <a:solidFill>
+                  <a:schemeClr val="accent4"/>
+                </a:solidFill>
+                <a:latin typeface="Lucida Console" panose="020B0609040504020204" pitchFamily="49" charset="0"/>
+              </a:rPr>
+              <a:t>(!</a:t>
+            </a:r>
+            <a:r>
+              <a:rPr lang="en-US" sz="1000" dirty="0">
+                <a:solidFill>
+                  <a:schemeClr val="bg1"/>
+                </a:solidFill>
+                <a:latin typeface="Lucida Console" panose="020B0609040504020204" pitchFamily="49" charset="0"/>
+              </a:rPr>
+              <a:t>is.na</a:t>
+            </a:r>
+            <a:r>
+              <a:rPr lang="en-US" sz="1000" dirty="0">
+                <a:solidFill>
+                  <a:schemeClr val="accent4"/>
+                </a:solidFill>
+                <a:latin typeface="Lucida Console" panose="020B0609040504020204" pitchFamily="49" charset="0"/>
+              </a:rPr>
+              <a:t>(</a:t>
+            </a:r>
+            <a:r>
+              <a:rPr lang="en-US" sz="1000" dirty="0">
+                <a:solidFill>
+                  <a:schemeClr val="bg1"/>
+                </a:solidFill>
+                <a:latin typeface="Lucida Console" panose="020B0609040504020204" pitchFamily="49" charset="0"/>
+              </a:rPr>
+              <a:t>GDP_USD_2018</a:t>
+            </a:r>
+            <a:r>
+              <a:rPr lang="en-US" sz="1000" dirty="0">
+                <a:solidFill>
+                  <a:schemeClr val="accent4"/>
+                </a:solidFill>
+                <a:latin typeface="Lucida Console" panose="020B0609040504020204" pitchFamily="49" charset="0"/>
+              </a:rPr>
+              <a:t>)</a:t>
+            </a:r>
+            <a:r>
+              <a:rPr lang="en-US" sz="1000" dirty="0">
+                <a:solidFill>
+                  <a:schemeClr val="bg1"/>
+                </a:solidFill>
+                <a:latin typeface="Lucida Console" panose="020B0609040504020204" pitchFamily="49" charset="0"/>
+              </a:rPr>
+              <a:t> </a:t>
+            </a:r>
+            <a:r>
+              <a:rPr lang="en-US" sz="1000" dirty="0">
+                <a:solidFill>
+                  <a:schemeClr val="accent4"/>
+                </a:solidFill>
+                <a:latin typeface="Lucida Console" panose="020B0609040504020204" pitchFamily="49" charset="0"/>
+              </a:rPr>
+              <a:t>==</a:t>
+            </a:r>
+            <a:r>
+              <a:rPr lang="en-US" sz="1000" dirty="0">
+                <a:solidFill>
+                  <a:schemeClr val="bg1"/>
+                </a:solidFill>
+                <a:latin typeface="Lucida Console" panose="020B0609040504020204" pitchFamily="49" charset="0"/>
+              </a:rPr>
+              <a:t> </a:t>
+            </a:r>
+            <a:r>
+              <a:rPr lang="en-US" sz="1000" dirty="0">
+                <a:solidFill>
+                  <a:schemeClr val="accent3"/>
+                </a:solidFill>
+                <a:latin typeface="Lucida Console" panose="020B0609040504020204" pitchFamily="49" charset="0"/>
+              </a:rPr>
+              <a:t>TRUE</a:t>
+            </a:r>
+            <a:r>
+              <a:rPr lang="en-US" sz="1000" dirty="0">
+                <a:solidFill>
+                  <a:schemeClr val="accent4"/>
+                </a:solidFill>
+                <a:latin typeface="Lucida Console" panose="020B0609040504020204" pitchFamily="49" charset="0"/>
+              </a:rPr>
+              <a:t>) %&gt;% </a:t>
+            </a:r>
+          </a:p>
+          <a:p>
+            <a:r>
+              <a:rPr lang="en-US" sz="1000" dirty="0">
+                <a:solidFill>
+                  <a:schemeClr val="bg1"/>
+                </a:solidFill>
+                <a:latin typeface="Lucida Console" panose="020B0609040504020204" pitchFamily="49" charset="0"/>
+              </a:rPr>
+              <a:t>  arrange</a:t>
+            </a:r>
+            <a:r>
+              <a:rPr lang="en-US" sz="1000" dirty="0">
+                <a:solidFill>
+                  <a:schemeClr val="accent4"/>
+                </a:solidFill>
+                <a:latin typeface="Lucida Console" panose="020B0609040504020204" pitchFamily="49" charset="0"/>
+              </a:rPr>
+              <a:t>(</a:t>
+            </a:r>
+            <a:r>
+              <a:rPr lang="en-US" sz="1000" dirty="0">
+                <a:solidFill>
+                  <a:schemeClr val="bg1"/>
+                </a:solidFill>
+                <a:latin typeface="Lucida Console" panose="020B0609040504020204" pitchFamily="49" charset="0"/>
+              </a:rPr>
+              <a:t>desc</a:t>
+            </a:r>
+            <a:r>
+              <a:rPr lang="en-US" sz="1000" dirty="0">
+                <a:solidFill>
+                  <a:schemeClr val="accent4"/>
+                </a:solidFill>
+                <a:latin typeface="Lucida Console" panose="020B0609040504020204" pitchFamily="49" charset="0"/>
+              </a:rPr>
+              <a:t>(</a:t>
+            </a:r>
+            <a:r>
+              <a:rPr lang="en-US" sz="1000" dirty="0">
+                <a:solidFill>
+                  <a:schemeClr val="bg1"/>
+                </a:solidFill>
+                <a:latin typeface="Lucida Console" panose="020B0609040504020204" pitchFamily="49" charset="0"/>
+              </a:rPr>
+              <a:t>GDP_USD_2018</a:t>
+            </a:r>
+            <a:r>
+              <a:rPr lang="en-US" sz="1000" dirty="0">
+                <a:solidFill>
+                  <a:schemeClr val="accent4"/>
+                </a:solidFill>
+                <a:latin typeface="Lucida Console" panose="020B0609040504020204" pitchFamily="49" charset="0"/>
+              </a:rPr>
+              <a:t>)) %&gt;% </a:t>
+            </a:r>
+          </a:p>
+          <a:p>
+            <a:r>
+              <a:rPr lang="en-US" sz="1000" dirty="0">
+                <a:solidFill>
+                  <a:schemeClr val="bg1"/>
+                </a:solidFill>
+                <a:latin typeface="Lucida Console" panose="020B0609040504020204" pitchFamily="49" charset="0"/>
+              </a:rPr>
+              <a:t>  select</a:t>
+            </a:r>
+            <a:r>
+              <a:rPr lang="en-US" sz="1000" dirty="0">
+                <a:solidFill>
+                  <a:schemeClr val="accent4"/>
+                </a:solidFill>
+                <a:latin typeface="Lucida Console" panose="020B0609040504020204" pitchFamily="49" charset="0"/>
+              </a:rPr>
+              <a:t>(</a:t>
+            </a:r>
+            <a:r>
+              <a:rPr lang="en-US" sz="1000" dirty="0">
+                <a:solidFill>
+                  <a:schemeClr val="bg1"/>
+                </a:solidFill>
+                <a:latin typeface="Lucida Console" panose="020B0609040504020204" pitchFamily="49" charset="0"/>
+              </a:rPr>
+              <a:t>GDP_USD_2018, country, US, color</a:t>
+            </a:r>
+            <a:r>
+              <a:rPr lang="en-US" sz="1000" dirty="0">
+                <a:solidFill>
+                  <a:schemeClr val="accent4"/>
+                </a:solidFill>
+                <a:latin typeface="Lucida Console" panose="020B0609040504020204" pitchFamily="49" charset="0"/>
+              </a:rPr>
+              <a:t>)</a:t>
+            </a:r>
+          </a:p>
+          <a:p>
+            <a:endParaRPr lang="en-US" sz="1000" dirty="0">
+              <a:solidFill>
+                <a:schemeClr val="bg1"/>
+              </a:solidFill>
+              <a:latin typeface="Lucida Console" panose="020B0609040504020204" pitchFamily="49" charset="0"/>
+            </a:endParaRPr>
+          </a:p>
+          <a:p>
+            <a:r>
+              <a:rPr lang="en-US" sz="1000" dirty="0">
+                <a:solidFill>
+                  <a:schemeClr val="bg1"/>
+                </a:solidFill>
+                <a:latin typeface="Lucida Console" panose="020B0609040504020204" pitchFamily="49" charset="0"/>
+              </a:rPr>
+              <a:t>alldata_GDP_top20 </a:t>
+            </a:r>
+            <a:r>
+              <a:rPr lang="en-US" sz="1000" dirty="0">
+                <a:solidFill>
+                  <a:schemeClr val="accent4"/>
+                </a:solidFill>
+                <a:latin typeface="Lucida Console" panose="020B0609040504020204" pitchFamily="49" charset="0"/>
+              </a:rPr>
+              <a:t>&lt;-</a:t>
+            </a:r>
+            <a:r>
+              <a:rPr lang="en-US" sz="1000" dirty="0">
+                <a:solidFill>
+                  <a:schemeClr val="bg1"/>
+                </a:solidFill>
+                <a:latin typeface="Lucida Console" panose="020B0609040504020204" pitchFamily="49" charset="0"/>
+              </a:rPr>
+              <a:t> </a:t>
+            </a:r>
+            <a:r>
+              <a:rPr lang="en-US" sz="1000" dirty="0" err="1">
+                <a:solidFill>
+                  <a:schemeClr val="bg1"/>
+                </a:solidFill>
+                <a:latin typeface="Lucida Console" panose="020B0609040504020204" pitchFamily="49" charset="0"/>
+              </a:rPr>
+              <a:t>alldata_GDP</a:t>
+            </a:r>
+            <a:r>
+              <a:rPr lang="en-US" sz="1000" dirty="0">
+                <a:solidFill>
+                  <a:schemeClr val="bg1"/>
+                </a:solidFill>
+                <a:latin typeface="Lucida Console" panose="020B0609040504020204" pitchFamily="49" charset="0"/>
+              </a:rPr>
+              <a:t> </a:t>
+            </a:r>
+            <a:r>
+              <a:rPr lang="en-US" sz="1000" dirty="0">
+                <a:solidFill>
+                  <a:schemeClr val="accent4"/>
+                </a:solidFill>
+                <a:latin typeface="Lucida Console" panose="020B0609040504020204" pitchFamily="49" charset="0"/>
+              </a:rPr>
+              <a:t>%&gt;% </a:t>
+            </a:r>
+            <a:r>
+              <a:rPr lang="en-US" sz="1000" dirty="0">
+                <a:solidFill>
+                  <a:schemeClr val="bg1"/>
+                </a:solidFill>
+                <a:latin typeface="Lucida Console" panose="020B0609040504020204" pitchFamily="49" charset="0"/>
+              </a:rPr>
+              <a:t>head</a:t>
+            </a:r>
+            <a:r>
+              <a:rPr lang="en-US" sz="1000" dirty="0">
+                <a:solidFill>
+                  <a:schemeClr val="accent4"/>
+                </a:solidFill>
+                <a:latin typeface="Lucida Console" panose="020B0609040504020204" pitchFamily="49" charset="0"/>
+              </a:rPr>
+              <a:t>(</a:t>
+            </a:r>
+            <a:r>
+              <a:rPr lang="en-US" sz="1000" dirty="0">
+                <a:solidFill>
+                  <a:schemeClr val="accent3"/>
+                </a:solidFill>
+                <a:latin typeface="Lucida Console" panose="020B0609040504020204" pitchFamily="49" charset="0"/>
+              </a:rPr>
+              <a:t>20</a:t>
+            </a:r>
+            <a:r>
+              <a:rPr lang="en-US" sz="1000" dirty="0">
+                <a:solidFill>
+                  <a:schemeClr val="accent4"/>
+                </a:solidFill>
+                <a:latin typeface="Lucida Console" panose="020B0609040504020204" pitchFamily="49" charset="0"/>
+              </a:rPr>
+              <a:t>)</a:t>
+            </a:r>
+          </a:p>
+          <a:p>
+            <a:r>
+              <a:rPr lang="en-US" sz="1000" dirty="0">
+                <a:solidFill>
+                  <a:schemeClr val="bg1"/>
+                </a:solidFill>
+                <a:latin typeface="Lucida Console" panose="020B0609040504020204" pitchFamily="49" charset="0"/>
+              </a:rPr>
+              <a:t>alldata_GDP_bot20 </a:t>
+            </a:r>
+            <a:r>
+              <a:rPr lang="en-US" sz="1000" dirty="0">
+                <a:solidFill>
+                  <a:schemeClr val="accent4"/>
+                </a:solidFill>
+                <a:latin typeface="Lucida Console" panose="020B0609040504020204" pitchFamily="49" charset="0"/>
+              </a:rPr>
+              <a:t>&lt;-</a:t>
+            </a:r>
+            <a:r>
+              <a:rPr lang="en-US" sz="1000" dirty="0">
+                <a:solidFill>
+                  <a:schemeClr val="bg1"/>
+                </a:solidFill>
+                <a:latin typeface="Lucida Console" panose="020B0609040504020204" pitchFamily="49" charset="0"/>
+              </a:rPr>
+              <a:t> </a:t>
+            </a:r>
+            <a:r>
+              <a:rPr lang="en-US" sz="1000" dirty="0" err="1">
+                <a:solidFill>
+                  <a:schemeClr val="bg1"/>
+                </a:solidFill>
+                <a:latin typeface="Lucida Console" panose="020B0609040504020204" pitchFamily="49" charset="0"/>
+              </a:rPr>
+              <a:t>alldata_GDP</a:t>
+            </a:r>
+            <a:r>
+              <a:rPr lang="en-US" sz="1000" dirty="0">
+                <a:solidFill>
+                  <a:schemeClr val="bg1"/>
+                </a:solidFill>
+                <a:latin typeface="Lucida Console" panose="020B0609040504020204" pitchFamily="49" charset="0"/>
+              </a:rPr>
+              <a:t> </a:t>
+            </a:r>
+            <a:r>
+              <a:rPr lang="en-US" sz="1000" dirty="0">
+                <a:solidFill>
+                  <a:schemeClr val="accent4"/>
+                </a:solidFill>
+                <a:latin typeface="Lucida Console" panose="020B0609040504020204" pitchFamily="49" charset="0"/>
+              </a:rPr>
+              <a:t>%&gt;% </a:t>
+            </a:r>
+            <a:r>
+              <a:rPr lang="en-US" sz="1000" dirty="0">
+                <a:solidFill>
+                  <a:schemeClr val="bg1"/>
+                </a:solidFill>
+                <a:latin typeface="Lucida Console" panose="020B0609040504020204" pitchFamily="49" charset="0"/>
+              </a:rPr>
+              <a:t>tail</a:t>
+            </a:r>
+            <a:r>
+              <a:rPr lang="en-US" sz="1000" dirty="0">
+                <a:solidFill>
+                  <a:schemeClr val="accent4"/>
+                </a:solidFill>
+                <a:latin typeface="Lucida Console" panose="020B0609040504020204" pitchFamily="49" charset="0"/>
+              </a:rPr>
+              <a:t>(</a:t>
+            </a:r>
+            <a:r>
+              <a:rPr lang="en-US" sz="1000" dirty="0">
+                <a:solidFill>
+                  <a:schemeClr val="accent3"/>
+                </a:solidFill>
+                <a:latin typeface="Lucida Console" panose="020B0609040504020204" pitchFamily="49" charset="0"/>
+              </a:rPr>
+              <a:t>20</a:t>
+            </a:r>
+            <a:r>
+              <a:rPr lang="en-US" sz="1000" dirty="0">
+                <a:solidFill>
+                  <a:schemeClr val="accent4"/>
+                </a:solidFill>
+                <a:latin typeface="Lucida Console" panose="020B0609040504020204" pitchFamily="49" charset="0"/>
+              </a:rPr>
+              <a:t>)</a:t>
+            </a:r>
+          </a:p>
+          <a:p>
+            <a:r>
+              <a:rPr lang="en-US" sz="1000" dirty="0">
+                <a:solidFill>
+                  <a:schemeClr val="bg1"/>
+                </a:solidFill>
+                <a:latin typeface="Lucida Console" panose="020B0609040504020204" pitchFamily="49" charset="0"/>
+              </a:rPr>
+              <a:t>alldata_GDP_40 </a:t>
+            </a:r>
+            <a:r>
+              <a:rPr lang="en-US" sz="1000" dirty="0">
+                <a:solidFill>
+                  <a:schemeClr val="accent4"/>
+                </a:solidFill>
+                <a:latin typeface="Lucida Console" panose="020B0609040504020204" pitchFamily="49" charset="0"/>
+              </a:rPr>
+              <a:t>&lt;-</a:t>
+            </a:r>
+            <a:r>
+              <a:rPr lang="en-US" sz="1000" dirty="0">
+                <a:solidFill>
+                  <a:schemeClr val="bg1"/>
+                </a:solidFill>
+                <a:latin typeface="Lucida Console" panose="020B0609040504020204" pitchFamily="49" charset="0"/>
+              </a:rPr>
+              <a:t> </a:t>
+            </a:r>
+            <a:r>
+              <a:rPr lang="en-US" sz="1000" dirty="0" err="1">
+                <a:solidFill>
+                  <a:schemeClr val="bg1"/>
+                </a:solidFill>
+                <a:latin typeface="Lucida Console" panose="020B0609040504020204" pitchFamily="49" charset="0"/>
+              </a:rPr>
+              <a:t>bind_rows</a:t>
+            </a:r>
+            <a:r>
+              <a:rPr lang="en-US" sz="1000" dirty="0">
+                <a:solidFill>
+                  <a:schemeClr val="accent4"/>
+                </a:solidFill>
+                <a:latin typeface="Lucida Console" panose="020B0609040504020204" pitchFamily="49" charset="0"/>
+              </a:rPr>
+              <a:t>(</a:t>
+            </a:r>
+            <a:r>
+              <a:rPr lang="en-US" sz="1000" dirty="0">
+                <a:solidFill>
+                  <a:schemeClr val="bg1"/>
+                </a:solidFill>
+                <a:latin typeface="Lucida Console" panose="020B0609040504020204" pitchFamily="49" charset="0"/>
+              </a:rPr>
+              <a:t>alldata_GDP_top20, alldata_GDP_bot20</a:t>
+            </a:r>
+            <a:r>
+              <a:rPr lang="en-US" sz="1000" dirty="0">
+                <a:solidFill>
+                  <a:schemeClr val="accent4"/>
+                </a:solidFill>
+                <a:latin typeface="Lucida Console" panose="020B0609040504020204" pitchFamily="49" charset="0"/>
+              </a:rPr>
+              <a:t>)</a:t>
+            </a:r>
+          </a:p>
+          <a:p>
+            <a:endParaRPr lang="en-US" sz="1000" dirty="0">
+              <a:solidFill>
+                <a:schemeClr val="bg1"/>
+              </a:solidFill>
+              <a:latin typeface="Lucida Console" panose="020B0609040504020204" pitchFamily="49" charset="0"/>
+            </a:endParaRPr>
+          </a:p>
+          <a:p>
+            <a:r>
+              <a:rPr lang="en-US" sz="1000" dirty="0">
+                <a:solidFill>
+                  <a:schemeClr val="bg1"/>
+                </a:solidFill>
+                <a:latin typeface="Lucida Console" panose="020B0609040504020204" pitchFamily="49" charset="0"/>
+              </a:rPr>
+              <a:t>colors </a:t>
+            </a:r>
+            <a:r>
+              <a:rPr lang="en-US" sz="1000" dirty="0">
+                <a:solidFill>
+                  <a:schemeClr val="accent4"/>
+                </a:solidFill>
+                <a:latin typeface="Lucida Console" panose="020B0609040504020204" pitchFamily="49" charset="0"/>
+              </a:rPr>
+              <a:t>&lt;-</a:t>
+            </a:r>
+            <a:r>
+              <a:rPr lang="en-US" sz="1000" dirty="0">
+                <a:solidFill>
+                  <a:schemeClr val="bg1"/>
+                </a:solidFill>
+                <a:latin typeface="Lucida Console" panose="020B0609040504020204" pitchFamily="49" charset="0"/>
+              </a:rPr>
+              <a:t> alldata_GDP_40</a:t>
+            </a:r>
+            <a:r>
+              <a:rPr lang="en-US" sz="1000" dirty="0">
+                <a:solidFill>
+                  <a:schemeClr val="accent4"/>
+                </a:solidFill>
+                <a:latin typeface="Lucida Console" panose="020B0609040504020204" pitchFamily="49" charset="0"/>
+              </a:rPr>
+              <a:t>$</a:t>
+            </a:r>
+            <a:r>
+              <a:rPr lang="en-US" sz="1000" dirty="0">
+                <a:solidFill>
+                  <a:schemeClr val="bg1"/>
+                </a:solidFill>
+                <a:latin typeface="Lucida Console" panose="020B0609040504020204" pitchFamily="49" charset="0"/>
+              </a:rPr>
+              <a:t>color</a:t>
+            </a:r>
+            <a:r>
+              <a:rPr lang="en-US" sz="1000" dirty="0">
+                <a:solidFill>
+                  <a:schemeClr val="accent4"/>
+                </a:solidFill>
+                <a:latin typeface="Lucida Console" panose="020B0609040504020204" pitchFamily="49" charset="0"/>
+              </a:rPr>
+              <a:t>[</a:t>
+            </a:r>
+            <a:r>
+              <a:rPr lang="en-US" sz="1000" dirty="0">
+                <a:solidFill>
+                  <a:schemeClr val="bg1"/>
+                </a:solidFill>
+                <a:latin typeface="Lucida Console" panose="020B0609040504020204" pitchFamily="49" charset="0"/>
+              </a:rPr>
+              <a:t>order</a:t>
+            </a:r>
+            <a:r>
+              <a:rPr lang="en-US" sz="1000" dirty="0">
+                <a:solidFill>
+                  <a:schemeClr val="accent4"/>
+                </a:solidFill>
+                <a:latin typeface="Lucida Console" panose="020B0609040504020204" pitchFamily="49" charset="0"/>
+              </a:rPr>
+              <a:t>(</a:t>
+            </a:r>
+            <a:r>
+              <a:rPr lang="en-US" sz="1000" dirty="0">
+                <a:solidFill>
+                  <a:schemeClr val="bg1"/>
+                </a:solidFill>
+                <a:latin typeface="Lucida Console" panose="020B0609040504020204" pitchFamily="49" charset="0"/>
+              </a:rPr>
+              <a:t>alldata_GDP_40</a:t>
+            </a:r>
+            <a:r>
+              <a:rPr lang="en-US" sz="1000" dirty="0">
+                <a:solidFill>
+                  <a:schemeClr val="accent4"/>
+                </a:solidFill>
+                <a:latin typeface="Lucida Console" panose="020B0609040504020204" pitchFamily="49" charset="0"/>
+              </a:rPr>
+              <a:t>$</a:t>
+            </a:r>
+            <a:r>
+              <a:rPr lang="en-US" sz="1000" dirty="0">
+                <a:solidFill>
+                  <a:schemeClr val="bg1"/>
+                </a:solidFill>
+                <a:latin typeface="Lucida Console" panose="020B0609040504020204" pitchFamily="49" charset="0"/>
+              </a:rPr>
+              <a:t>GDP_USD_2018</a:t>
+            </a:r>
+            <a:r>
+              <a:rPr lang="en-US" sz="1000" dirty="0">
+                <a:solidFill>
+                  <a:schemeClr val="accent4"/>
+                </a:solidFill>
+                <a:latin typeface="Lucida Console" panose="020B0609040504020204" pitchFamily="49" charset="0"/>
+              </a:rPr>
+              <a:t>)]</a:t>
+            </a:r>
+          </a:p>
+          <a:p>
+            <a:endParaRPr lang="en-US" sz="1000" dirty="0">
+              <a:solidFill>
+                <a:schemeClr val="bg1"/>
+              </a:solidFill>
+              <a:latin typeface="Lucida Console" panose="020B0609040504020204" pitchFamily="49" charset="0"/>
+            </a:endParaRPr>
+          </a:p>
+          <a:p>
+            <a:r>
+              <a:rPr lang="en-US" sz="1000" dirty="0" err="1">
+                <a:solidFill>
+                  <a:schemeClr val="bg1"/>
+                </a:solidFill>
+                <a:latin typeface="Lucida Console" panose="020B0609040504020204" pitchFamily="49" charset="0"/>
+              </a:rPr>
+              <a:t>GDP_country_point</a:t>
+            </a:r>
+            <a:r>
+              <a:rPr lang="en-US" sz="1000" dirty="0">
+                <a:solidFill>
+                  <a:schemeClr val="bg1"/>
+                </a:solidFill>
+                <a:latin typeface="Lucida Console" panose="020B0609040504020204" pitchFamily="49" charset="0"/>
+              </a:rPr>
+              <a:t> </a:t>
+            </a:r>
+            <a:r>
+              <a:rPr lang="en-US" sz="1000" dirty="0">
+                <a:solidFill>
+                  <a:schemeClr val="accent4"/>
+                </a:solidFill>
+                <a:latin typeface="Lucida Console" panose="020B0609040504020204" pitchFamily="49" charset="0"/>
+              </a:rPr>
+              <a:t>&lt;-</a:t>
+            </a:r>
+            <a:r>
+              <a:rPr lang="en-US" sz="1000" dirty="0">
+                <a:solidFill>
+                  <a:schemeClr val="bg1"/>
+                </a:solidFill>
+                <a:latin typeface="Lucida Console" panose="020B0609040504020204" pitchFamily="49" charset="0"/>
+              </a:rPr>
+              <a:t> </a:t>
+            </a:r>
+            <a:r>
+              <a:rPr lang="en-US" sz="1000" dirty="0" err="1">
+                <a:solidFill>
+                  <a:schemeClr val="bg1"/>
+                </a:solidFill>
+                <a:latin typeface="Lucida Console" panose="020B0609040504020204" pitchFamily="49" charset="0"/>
+              </a:rPr>
+              <a:t>ggplot</a:t>
+            </a:r>
+            <a:r>
+              <a:rPr lang="en-US" sz="1000" dirty="0">
+                <a:solidFill>
+                  <a:schemeClr val="accent4"/>
+                </a:solidFill>
+                <a:latin typeface="Lucida Console" panose="020B0609040504020204" pitchFamily="49" charset="0"/>
+              </a:rPr>
+              <a:t>(</a:t>
+            </a:r>
+            <a:r>
+              <a:rPr lang="en-US" sz="1000" dirty="0">
+                <a:solidFill>
+                  <a:schemeClr val="bg1"/>
+                </a:solidFill>
+                <a:latin typeface="Lucida Console" panose="020B0609040504020204" pitchFamily="49" charset="0"/>
+              </a:rPr>
+              <a:t>data </a:t>
+            </a:r>
+            <a:r>
+              <a:rPr lang="en-US" sz="1000" dirty="0">
+                <a:solidFill>
+                  <a:schemeClr val="accent4"/>
+                </a:solidFill>
+                <a:latin typeface="Lucida Console" panose="020B0609040504020204" pitchFamily="49" charset="0"/>
+              </a:rPr>
+              <a:t>=</a:t>
+            </a:r>
+            <a:r>
+              <a:rPr lang="en-US" sz="1000" dirty="0">
+                <a:solidFill>
+                  <a:schemeClr val="bg1"/>
+                </a:solidFill>
+                <a:latin typeface="Lucida Console" panose="020B0609040504020204" pitchFamily="49" charset="0"/>
+              </a:rPr>
+              <a:t> alldata_GDP_40, </a:t>
+            </a:r>
+          </a:p>
+          <a:p>
+            <a:r>
+              <a:rPr lang="en-US" sz="1000" dirty="0">
+                <a:solidFill>
+                  <a:schemeClr val="bg1"/>
+                </a:solidFill>
+                <a:latin typeface="Lucida Console" panose="020B0609040504020204" pitchFamily="49" charset="0"/>
+              </a:rPr>
+              <a:t>                            </a:t>
+            </a:r>
+            <a:r>
+              <a:rPr lang="en-US" sz="1000" dirty="0" err="1">
+                <a:solidFill>
+                  <a:schemeClr val="bg1"/>
+                </a:solidFill>
+                <a:latin typeface="Lucida Console" panose="020B0609040504020204" pitchFamily="49" charset="0"/>
+              </a:rPr>
+              <a:t>aes</a:t>
+            </a:r>
+            <a:r>
+              <a:rPr lang="en-US" sz="1000" dirty="0">
+                <a:solidFill>
+                  <a:schemeClr val="accent4"/>
+                </a:solidFill>
+                <a:latin typeface="Lucida Console" panose="020B0609040504020204" pitchFamily="49" charset="0"/>
+              </a:rPr>
+              <a:t>(</a:t>
+            </a:r>
+            <a:r>
+              <a:rPr lang="en-US" sz="1000" dirty="0">
+                <a:solidFill>
+                  <a:schemeClr val="bg1"/>
+                </a:solidFill>
+                <a:latin typeface="Lucida Console" panose="020B0609040504020204" pitchFamily="49" charset="0"/>
+              </a:rPr>
+              <a:t>x </a:t>
+            </a:r>
+            <a:r>
+              <a:rPr lang="en-US" sz="1000" dirty="0">
+                <a:solidFill>
+                  <a:schemeClr val="accent4"/>
+                </a:solidFill>
+                <a:latin typeface="Lucida Console" panose="020B0609040504020204" pitchFamily="49" charset="0"/>
+              </a:rPr>
+              <a:t>=</a:t>
+            </a:r>
+            <a:r>
+              <a:rPr lang="en-US" sz="1000" dirty="0">
+                <a:solidFill>
+                  <a:schemeClr val="bg1"/>
+                </a:solidFill>
+                <a:latin typeface="Lucida Console" panose="020B0609040504020204" pitchFamily="49" charset="0"/>
+              </a:rPr>
+              <a:t> log(GDP_USD_2018</a:t>
+            </a:r>
+            <a:r>
+              <a:rPr lang="en-US" sz="1000" dirty="0">
+                <a:solidFill>
+                  <a:schemeClr val="accent4"/>
+                </a:solidFill>
+                <a:latin typeface="Lucida Console" panose="020B0609040504020204" pitchFamily="49" charset="0"/>
+              </a:rPr>
+              <a:t>)</a:t>
+            </a:r>
+            <a:r>
+              <a:rPr lang="en-US" sz="1000" dirty="0">
+                <a:solidFill>
+                  <a:schemeClr val="bg1"/>
+                </a:solidFill>
+                <a:latin typeface="Lucida Console" panose="020B0609040504020204" pitchFamily="49" charset="0"/>
+              </a:rPr>
+              <a:t>, </a:t>
+            </a:r>
+          </a:p>
+          <a:p>
+            <a:r>
+              <a:rPr lang="en-US" sz="1000" dirty="0">
+                <a:solidFill>
+                  <a:schemeClr val="bg1"/>
+                </a:solidFill>
+                <a:latin typeface="Lucida Console" panose="020B0609040504020204" pitchFamily="49" charset="0"/>
+              </a:rPr>
+              <a:t>                                y </a:t>
+            </a:r>
+            <a:r>
+              <a:rPr lang="en-US" sz="1000" dirty="0">
+                <a:solidFill>
+                  <a:schemeClr val="accent4"/>
+                </a:solidFill>
+                <a:latin typeface="Lucida Console" panose="020B0609040504020204" pitchFamily="49" charset="0"/>
+              </a:rPr>
+              <a:t>=</a:t>
+            </a:r>
+            <a:r>
+              <a:rPr lang="en-US" sz="1000" dirty="0">
+                <a:solidFill>
+                  <a:schemeClr val="bg1"/>
+                </a:solidFill>
+                <a:latin typeface="Lucida Console" panose="020B0609040504020204" pitchFamily="49" charset="0"/>
+              </a:rPr>
+              <a:t> </a:t>
+            </a:r>
+            <a:r>
+              <a:rPr lang="en-US" sz="1000" dirty="0" err="1">
+                <a:solidFill>
+                  <a:schemeClr val="bg1"/>
+                </a:solidFill>
+                <a:latin typeface="Lucida Console" panose="020B0609040504020204" pitchFamily="49" charset="0"/>
+              </a:rPr>
+              <a:t>fct_reorder</a:t>
+            </a:r>
+            <a:r>
+              <a:rPr lang="en-US" sz="1000" dirty="0">
+                <a:solidFill>
+                  <a:schemeClr val="accent4"/>
+                </a:solidFill>
+                <a:latin typeface="Lucida Console" panose="020B0609040504020204" pitchFamily="49" charset="0"/>
+              </a:rPr>
+              <a:t>(</a:t>
+            </a:r>
+            <a:r>
+              <a:rPr lang="en-US" sz="1000" dirty="0">
+                <a:solidFill>
+                  <a:schemeClr val="bg1"/>
+                </a:solidFill>
+                <a:latin typeface="Lucida Console" panose="020B0609040504020204" pitchFamily="49" charset="0"/>
+              </a:rPr>
+              <a:t>country, GDP_USD_2018</a:t>
+            </a:r>
+            <a:r>
+              <a:rPr lang="en-US" sz="1000" dirty="0">
+                <a:solidFill>
+                  <a:schemeClr val="accent4"/>
+                </a:solidFill>
+                <a:latin typeface="Lucida Console" panose="020B0609040504020204" pitchFamily="49" charset="0"/>
+              </a:rPr>
+              <a:t>)</a:t>
+            </a:r>
+            <a:r>
+              <a:rPr lang="en-US" sz="1000" dirty="0">
+                <a:solidFill>
+                  <a:schemeClr val="bg1"/>
+                </a:solidFill>
+                <a:latin typeface="Lucida Console" panose="020B0609040504020204" pitchFamily="49" charset="0"/>
+              </a:rPr>
+              <a:t>, </a:t>
+            </a:r>
+          </a:p>
+          <a:p>
+            <a:r>
+              <a:rPr lang="en-US" sz="1000" dirty="0">
+                <a:solidFill>
+                  <a:schemeClr val="bg1"/>
+                </a:solidFill>
+                <a:latin typeface="Lucida Console" panose="020B0609040504020204" pitchFamily="49" charset="0"/>
+              </a:rPr>
+              <a:t>                                color </a:t>
+            </a:r>
+            <a:r>
+              <a:rPr lang="en-US" sz="1000" dirty="0">
+                <a:solidFill>
+                  <a:schemeClr val="accent4"/>
+                </a:solidFill>
+                <a:latin typeface="Lucida Console" panose="020B0609040504020204" pitchFamily="49" charset="0"/>
+              </a:rPr>
+              <a:t>=</a:t>
+            </a:r>
+            <a:r>
+              <a:rPr lang="en-US" sz="1000" dirty="0">
+                <a:solidFill>
+                  <a:schemeClr val="bg1"/>
+                </a:solidFill>
+                <a:latin typeface="Lucida Console" panose="020B0609040504020204" pitchFamily="49" charset="0"/>
+              </a:rPr>
+              <a:t> US</a:t>
+            </a:r>
+            <a:r>
+              <a:rPr lang="en-US" sz="1000" dirty="0">
+                <a:solidFill>
+                  <a:schemeClr val="accent4"/>
+                </a:solidFill>
+                <a:latin typeface="Lucida Console" panose="020B0609040504020204" pitchFamily="49" charset="0"/>
+              </a:rPr>
+              <a:t>))</a:t>
+            </a:r>
+            <a:r>
+              <a:rPr lang="en-US" sz="1000" dirty="0">
+                <a:solidFill>
+                  <a:schemeClr val="bg1"/>
+                </a:solidFill>
+                <a:latin typeface="Lucida Console" panose="020B0609040504020204" pitchFamily="49" charset="0"/>
+              </a:rPr>
+              <a:t> </a:t>
+            </a:r>
+            <a:r>
+              <a:rPr lang="en-US" sz="1000" dirty="0">
+                <a:solidFill>
+                  <a:schemeClr val="accent4"/>
+                </a:solidFill>
+                <a:latin typeface="Lucida Console" panose="020B0609040504020204" pitchFamily="49" charset="0"/>
+              </a:rPr>
+              <a:t>+</a:t>
+            </a:r>
+          </a:p>
+          <a:p>
+            <a:r>
+              <a:rPr lang="en-US" sz="1000" dirty="0">
+                <a:solidFill>
+                  <a:schemeClr val="bg1"/>
+                </a:solidFill>
+                <a:latin typeface="Lucida Console" panose="020B0609040504020204" pitchFamily="49" charset="0"/>
+              </a:rPr>
+              <a:t>  </a:t>
+            </a:r>
+            <a:r>
+              <a:rPr lang="en-US" sz="1000" dirty="0" err="1">
+                <a:solidFill>
+                  <a:schemeClr val="bg1"/>
+                </a:solidFill>
+                <a:latin typeface="Lucida Console" panose="020B0609040504020204" pitchFamily="49" charset="0"/>
+              </a:rPr>
+              <a:t>geom_point</a:t>
+            </a:r>
+            <a:r>
+              <a:rPr lang="en-US" sz="1000" dirty="0">
+                <a:solidFill>
+                  <a:schemeClr val="accent4"/>
+                </a:solidFill>
+                <a:latin typeface="Lucida Console" panose="020B0609040504020204" pitchFamily="49" charset="0"/>
+              </a:rPr>
+              <a:t>() +</a:t>
+            </a:r>
+          </a:p>
+          <a:p>
+            <a:r>
+              <a:rPr lang="en-US" sz="1000" dirty="0">
+                <a:solidFill>
+                  <a:schemeClr val="bg1"/>
+                </a:solidFill>
+                <a:latin typeface="Lucida Console" panose="020B0609040504020204" pitchFamily="49" charset="0"/>
+              </a:rPr>
+              <a:t>  </a:t>
+            </a:r>
+            <a:r>
+              <a:rPr lang="en-US" sz="1000" dirty="0" err="1">
+                <a:solidFill>
+                  <a:schemeClr val="bg1"/>
+                </a:solidFill>
+                <a:latin typeface="Lucida Console" panose="020B0609040504020204" pitchFamily="49" charset="0"/>
+              </a:rPr>
+              <a:t>scale_x_continuous</a:t>
+            </a:r>
+            <a:r>
+              <a:rPr lang="en-US" sz="1000" dirty="0">
+                <a:solidFill>
+                  <a:schemeClr val="accent4"/>
+                </a:solidFill>
+                <a:latin typeface="Lucida Console" panose="020B0609040504020204" pitchFamily="49" charset="0"/>
+              </a:rPr>
+              <a:t>(</a:t>
+            </a:r>
+            <a:r>
+              <a:rPr lang="en-US" sz="1000" dirty="0">
+                <a:solidFill>
+                  <a:schemeClr val="bg1"/>
+                </a:solidFill>
+                <a:latin typeface="Lucida Console" panose="020B0609040504020204" pitchFamily="49" charset="0"/>
+              </a:rPr>
+              <a:t>labels </a:t>
+            </a:r>
+            <a:r>
+              <a:rPr lang="en-US" sz="1000" dirty="0">
+                <a:solidFill>
+                  <a:schemeClr val="accent4"/>
+                </a:solidFill>
+                <a:latin typeface="Lucida Console" panose="020B0609040504020204" pitchFamily="49" charset="0"/>
+              </a:rPr>
+              <a:t>=</a:t>
+            </a:r>
+            <a:r>
+              <a:rPr lang="en-US" sz="1000" dirty="0">
+                <a:solidFill>
+                  <a:schemeClr val="bg1"/>
+                </a:solidFill>
+                <a:latin typeface="Lucida Console" panose="020B0609040504020204" pitchFamily="49" charset="0"/>
+              </a:rPr>
+              <a:t> scales</a:t>
+            </a:r>
+            <a:r>
+              <a:rPr lang="en-US" sz="1000" dirty="0">
+                <a:solidFill>
+                  <a:schemeClr val="accent4"/>
+                </a:solidFill>
+                <a:latin typeface="Lucida Console" panose="020B0609040504020204" pitchFamily="49" charset="0"/>
+              </a:rPr>
+              <a:t>::</a:t>
+            </a:r>
+            <a:r>
+              <a:rPr lang="en-US" sz="1000" dirty="0" err="1">
+                <a:solidFill>
+                  <a:schemeClr val="bg1"/>
+                </a:solidFill>
+                <a:latin typeface="Lucida Console" panose="020B0609040504020204" pitchFamily="49" charset="0"/>
+              </a:rPr>
+              <a:t>dollar_format</a:t>
+            </a:r>
+            <a:r>
+              <a:rPr lang="en-US" sz="1000" dirty="0">
+                <a:solidFill>
+                  <a:schemeClr val="accent4"/>
+                </a:solidFill>
+                <a:latin typeface="Lucida Console" panose="020B0609040504020204" pitchFamily="49" charset="0"/>
+              </a:rPr>
+              <a:t>(</a:t>
+            </a:r>
+            <a:r>
+              <a:rPr lang="en-US" sz="1000" dirty="0">
+                <a:solidFill>
+                  <a:schemeClr val="bg1"/>
+                </a:solidFill>
+                <a:latin typeface="Lucida Console" panose="020B0609040504020204" pitchFamily="49" charset="0"/>
+              </a:rPr>
+              <a:t>prefix </a:t>
+            </a:r>
+            <a:r>
+              <a:rPr lang="en-US" sz="1000" dirty="0">
+                <a:solidFill>
+                  <a:schemeClr val="accent4"/>
+                </a:solidFill>
+                <a:latin typeface="Lucida Console" panose="020B0609040504020204" pitchFamily="49" charset="0"/>
+              </a:rPr>
+              <a:t>=</a:t>
+            </a:r>
+            <a:r>
+              <a:rPr lang="en-US" sz="1000" dirty="0">
+                <a:solidFill>
+                  <a:schemeClr val="bg1"/>
+                </a:solidFill>
+                <a:latin typeface="Lucida Console" panose="020B0609040504020204" pitchFamily="49" charset="0"/>
+              </a:rPr>
+              <a:t> "$"</a:t>
+            </a:r>
+            <a:r>
+              <a:rPr lang="en-US" sz="1000" dirty="0">
+                <a:solidFill>
+                  <a:schemeClr val="accent4"/>
+                </a:solidFill>
+                <a:latin typeface="Lucida Console" panose="020B0609040504020204" pitchFamily="49" charset="0"/>
+              </a:rPr>
+              <a:t>)) +</a:t>
+            </a:r>
+          </a:p>
+          <a:p>
+            <a:r>
+              <a:rPr lang="en-US" sz="1000" dirty="0">
+                <a:solidFill>
+                  <a:schemeClr val="bg1"/>
+                </a:solidFill>
+                <a:latin typeface="Lucida Console" panose="020B0609040504020204" pitchFamily="49" charset="0"/>
+              </a:rPr>
+              <a:t>  </a:t>
+            </a:r>
+            <a:r>
+              <a:rPr lang="en-US" sz="1000" dirty="0" err="1">
+                <a:solidFill>
+                  <a:schemeClr val="bg1"/>
+                </a:solidFill>
+                <a:latin typeface="Lucida Console" panose="020B0609040504020204" pitchFamily="49" charset="0"/>
+              </a:rPr>
+              <a:t>scale_color_manual</a:t>
+            </a:r>
+            <a:r>
+              <a:rPr lang="en-US" sz="1000" dirty="0">
+                <a:solidFill>
+                  <a:schemeClr val="accent4"/>
+                </a:solidFill>
+                <a:latin typeface="Lucida Console" panose="020B0609040504020204" pitchFamily="49" charset="0"/>
+              </a:rPr>
+              <a:t>(</a:t>
+            </a:r>
+            <a:r>
+              <a:rPr lang="en-US" sz="1000" dirty="0">
+                <a:solidFill>
+                  <a:schemeClr val="bg1"/>
+                </a:solidFill>
+                <a:latin typeface="Lucida Console" panose="020B0609040504020204" pitchFamily="49" charset="0"/>
+              </a:rPr>
+              <a:t>values = c</a:t>
+            </a:r>
+            <a:r>
+              <a:rPr lang="en-US" sz="1000" dirty="0">
+                <a:solidFill>
+                  <a:schemeClr val="accent4"/>
+                </a:solidFill>
+                <a:latin typeface="Lucida Console" panose="020B0609040504020204" pitchFamily="49" charset="0"/>
+              </a:rPr>
+              <a:t>(</a:t>
+            </a:r>
+            <a:r>
+              <a:rPr lang="en-US" sz="1000" dirty="0">
+                <a:solidFill>
+                  <a:schemeClr val="accent6">
+                    <a:lumMod val="40000"/>
+                    <a:lumOff val="60000"/>
+                  </a:schemeClr>
+                </a:solidFill>
+                <a:latin typeface="Lucida Console" panose="020B0609040504020204" pitchFamily="49" charset="0"/>
+              </a:rPr>
+              <a:t>"US" = "#FF0000", "Non US" = "#5BBCD6"</a:t>
+            </a:r>
+            <a:r>
+              <a:rPr lang="en-US" sz="1000" dirty="0">
+                <a:solidFill>
+                  <a:schemeClr val="accent4"/>
+                </a:solidFill>
+                <a:latin typeface="Lucida Console" panose="020B0609040504020204" pitchFamily="49" charset="0"/>
+              </a:rPr>
+              <a:t>)) +</a:t>
+            </a:r>
+          </a:p>
+          <a:p>
+            <a:r>
+              <a:rPr lang="en-US" sz="1000" dirty="0">
+                <a:solidFill>
+                  <a:schemeClr val="bg1"/>
+                </a:solidFill>
+                <a:latin typeface="Lucida Console" panose="020B0609040504020204" pitchFamily="49" charset="0"/>
+              </a:rPr>
+              <a:t>  theme</a:t>
+            </a:r>
+            <a:r>
+              <a:rPr lang="en-US" sz="1000" dirty="0">
+                <a:solidFill>
+                  <a:schemeClr val="accent4"/>
+                </a:solidFill>
+                <a:latin typeface="Lucida Console" panose="020B0609040504020204" pitchFamily="49" charset="0"/>
+              </a:rPr>
+              <a:t>(</a:t>
+            </a:r>
+            <a:r>
+              <a:rPr lang="en-US" sz="1000" dirty="0" err="1">
+                <a:solidFill>
+                  <a:schemeClr val="bg1"/>
+                </a:solidFill>
+                <a:latin typeface="Lucida Console" panose="020B0609040504020204" pitchFamily="49" charset="0"/>
+              </a:rPr>
+              <a:t>axis.text.y</a:t>
+            </a:r>
+            <a:r>
+              <a:rPr lang="en-US" sz="1000" dirty="0">
+                <a:solidFill>
+                  <a:schemeClr val="bg1"/>
+                </a:solidFill>
+                <a:latin typeface="Lucida Console" panose="020B0609040504020204" pitchFamily="49" charset="0"/>
+              </a:rPr>
+              <a:t> </a:t>
+            </a:r>
+            <a:r>
+              <a:rPr lang="en-US" sz="1000" dirty="0">
+                <a:solidFill>
+                  <a:schemeClr val="accent4"/>
+                </a:solidFill>
+                <a:latin typeface="Lucida Console" panose="020B0609040504020204" pitchFamily="49" charset="0"/>
+              </a:rPr>
+              <a:t>=</a:t>
+            </a:r>
+            <a:r>
+              <a:rPr lang="en-US" sz="1000" dirty="0">
+                <a:solidFill>
+                  <a:schemeClr val="bg1"/>
+                </a:solidFill>
+                <a:latin typeface="Lucida Console" panose="020B0609040504020204" pitchFamily="49" charset="0"/>
+              </a:rPr>
+              <a:t> </a:t>
+            </a:r>
+            <a:r>
+              <a:rPr lang="en-US" sz="1000" dirty="0" err="1">
+                <a:solidFill>
+                  <a:schemeClr val="bg1"/>
+                </a:solidFill>
+                <a:latin typeface="Lucida Console" panose="020B0609040504020204" pitchFamily="49" charset="0"/>
+              </a:rPr>
+              <a:t>element_text</a:t>
+            </a:r>
+            <a:r>
+              <a:rPr lang="en-US" sz="1000" dirty="0">
+                <a:solidFill>
+                  <a:schemeClr val="accent4"/>
+                </a:solidFill>
+                <a:latin typeface="Lucida Console" panose="020B0609040504020204" pitchFamily="49" charset="0"/>
+              </a:rPr>
+              <a:t>(</a:t>
+            </a:r>
+            <a:r>
+              <a:rPr lang="en-US" sz="1000" dirty="0">
+                <a:solidFill>
+                  <a:schemeClr val="bg1"/>
+                </a:solidFill>
+                <a:latin typeface="Lucida Console" panose="020B0609040504020204" pitchFamily="49" charset="0"/>
+              </a:rPr>
+              <a:t>color </a:t>
+            </a:r>
+            <a:r>
+              <a:rPr lang="en-US" sz="1000" dirty="0">
+                <a:solidFill>
+                  <a:schemeClr val="accent4"/>
+                </a:solidFill>
+                <a:latin typeface="Lucida Console" panose="020B0609040504020204" pitchFamily="49" charset="0"/>
+              </a:rPr>
+              <a:t>=</a:t>
+            </a:r>
+            <a:r>
+              <a:rPr lang="en-US" sz="1000" dirty="0">
+                <a:solidFill>
+                  <a:schemeClr val="bg1"/>
+                </a:solidFill>
+                <a:latin typeface="Lucida Console" panose="020B0609040504020204" pitchFamily="49" charset="0"/>
+              </a:rPr>
+              <a:t> colors</a:t>
+            </a:r>
+            <a:r>
+              <a:rPr lang="en-US" sz="1000" dirty="0">
+                <a:solidFill>
+                  <a:schemeClr val="accent4"/>
+                </a:solidFill>
+                <a:latin typeface="Lucida Console" panose="020B0609040504020204" pitchFamily="49" charset="0"/>
+              </a:rPr>
+              <a:t>)) +</a:t>
+            </a:r>
+          </a:p>
+          <a:p>
+            <a:r>
+              <a:rPr lang="en-US" sz="1000" dirty="0">
+                <a:solidFill>
+                  <a:schemeClr val="bg1"/>
+                </a:solidFill>
+                <a:latin typeface="Lucida Console" panose="020B0609040504020204" pitchFamily="49" charset="0"/>
+              </a:rPr>
+              <a:t>  guides</a:t>
+            </a:r>
+            <a:r>
+              <a:rPr lang="en-US" sz="1000" dirty="0">
+                <a:solidFill>
+                  <a:schemeClr val="accent4"/>
+                </a:solidFill>
+                <a:latin typeface="Lucida Console" panose="020B0609040504020204" pitchFamily="49" charset="0"/>
+              </a:rPr>
+              <a:t>(</a:t>
+            </a:r>
+            <a:r>
+              <a:rPr lang="en-US" sz="1000" dirty="0">
+                <a:solidFill>
+                  <a:schemeClr val="bg1"/>
+                </a:solidFill>
+                <a:latin typeface="Lucida Console" panose="020B0609040504020204" pitchFamily="49" charset="0"/>
+              </a:rPr>
+              <a:t>color </a:t>
+            </a:r>
+            <a:r>
+              <a:rPr lang="en-US" sz="1000" dirty="0">
+                <a:solidFill>
+                  <a:schemeClr val="accent4"/>
+                </a:solidFill>
+                <a:latin typeface="Lucida Console" panose="020B0609040504020204" pitchFamily="49" charset="0"/>
+              </a:rPr>
+              <a:t>=</a:t>
+            </a:r>
+            <a:r>
+              <a:rPr lang="en-US" sz="1000" dirty="0">
+                <a:solidFill>
+                  <a:schemeClr val="bg1"/>
+                </a:solidFill>
+                <a:latin typeface="Lucida Console" panose="020B0609040504020204" pitchFamily="49" charset="0"/>
+              </a:rPr>
+              <a:t> </a:t>
+            </a:r>
+            <a:r>
+              <a:rPr lang="en-US" sz="1000" dirty="0">
+                <a:solidFill>
+                  <a:schemeClr val="accent3"/>
+                </a:solidFill>
+                <a:latin typeface="Lucida Console" panose="020B0609040504020204" pitchFamily="49" charset="0"/>
+              </a:rPr>
+              <a:t>FALSE</a:t>
+            </a:r>
+            <a:r>
+              <a:rPr lang="en-US" sz="1000" dirty="0">
+                <a:solidFill>
+                  <a:schemeClr val="accent4"/>
+                </a:solidFill>
+                <a:latin typeface="Lucida Console" panose="020B0609040504020204" pitchFamily="49" charset="0"/>
+              </a:rPr>
+              <a:t>) +</a:t>
+            </a:r>
+          </a:p>
+          <a:p>
+            <a:r>
+              <a:rPr lang="en-US" sz="1000" dirty="0">
+                <a:solidFill>
+                  <a:schemeClr val="bg1"/>
+                </a:solidFill>
+                <a:latin typeface="Lucida Console" panose="020B0609040504020204" pitchFamily="49" charset="0"/>
+              </a:rPr>
+              <a:t>  </a:t>
+            </a:r>
+            <a:r>
+              <a:rPr lang="en-US" sz="1000" dirty="0" err="1">
+                <a:solidFill>
+                  <a:schemeClr val="bg1"/>
+                </a:solidFill>
+                <a:latin typeface="Lucida Console" panose="020B0609040504020204" pitchFamily="49" charset="0"/>
+              </a:rPr>
+              <a:t>xlab</a:t>
+            </a:r>
+            <a:r>
+              <a:rPr lang="en-US" sz="1000" dirty="0">
+                <a:solidFill>
+                  <a:schemeClr val="accent4"/>
+                </a:solidFill>
+                <a:latin typeface="Lucida Console" panose="020B0609040504020204" pitchFamily="49" charset="0"/>
+              </a:rPr>
+              <a:t>(</a:t>
+            </a:r>
+            <a:r>
+              <a:rPr lang="en-US" sz="1000" dirty="0">
+                <a:solidFill>
+                  <a:schemeClr val="accent6">
+                    <a:lumMod val="40000"/>
+                    <a:lumOff val="60000"/>
+                  </a:schemeClr>
+                </a:solidFill>
+                <a:latin typeface="Lucida Console" panose="020B0609040504020204" pitchFamily="49" charset="0"/>
+              </a:rPr>
+              <a:t>"log(Gross Domestic Product) ($US 2018)"</a:t>
+            </a:r>
+            <a:r>
+              <a:rPr lang="en-US" sz="1000" dirty="0">
+                <a:solidFill>
+                  <a:schemeClr val="accent4"/>
+                </a:solidFill>
+                <a:latin typeface="Lucida Console" panose="020B0609040504020204" pitchFamily="49" charset="0"/>
+              </a:rPr>
+              <a:t>) +</a:t>
+            </a:r>
+          </a:p>
+          <a:p>
+            <a:r>
+              <a:rPr lang="en-US" sz="1000" dirty="0">
+                <a:solidFill>
+                  <a:schemeClr val="bg1"/>
+                </a:solidFill>
+                <a:latin typeface="Lucida Console" panose="020B0609040504020204" pitchFamily="49" charset="0"/>
+              </a:rPr>
+              <a:t>  </a:t>
+            </a:r>
+            <a:r>
+              <a:rPr lang="en-US" sz="1000" dirty="0" err="1">
+                <a:solidFill>
+                  <a:schemeClr val="bg1"/>
+                </a:solidFill>
+                <a:latin typeface="Lucida Console" panose="020B0609040504020204" pitchFamily="49" charset="0"/>
+              </a:rPr>
+              <a:t>ylab</a:t>
+            </a:r>
+            <a:r>
+              <a:rPr lang="en-US" sz="1000" dirty="0">
+                <a:solidFill>
+                  <a:schemeClr val="accent4"/>
+                </a:solidFill>
+                <a:latin typeface="Lucida Console" panose="020B0609040504020204" pitchFamily="49" charset="0"/>
+              </a:rPr>
+              <a:t>(</a:t>
+            </a:r>
+            <a:r>
+              <a:rPr lang="en-US" sz="1000" dirty="0">
+                <a:solidFill>
+                  <a:schemeClr val="accent6">
+                    <a:lumMod val="40000"/>
+                    <a:lumOff val="60000"/>
+                  </a:schemeClr>
+                </a:solidFill>
+                <a:latin typeface="Lucida Console" panose="020B0609040504020204" pitchFamily="49" charset="0"/>
+              </a:rPr>
+              <a:t>"Country"</a:t>
+            </a:r>
+            <a:r>
+              <a:rPr lang="en-US" sz="1000" dirty="0">
+                <a:solidFill>
+                  <a:schemeClr val="accent4"/>
+                </a:solidFill>
+                <a:latin typeface="Lucida Console" panose="020B0609040504020204" pitchFamily="49" charset="0"/>
+              </a:rPr>
+              <a:t>) +</a:t>
+            </a:r>
+          </a:p>
+          <a:p>
+            <a:r>
+              <a:rPr lang="en-US" sz="1000" dirty="0">
+                <a:solidFill>
+                  <a:schemeClr val="bg1"/>
+                </a:solidFill>
+                <a:latin typeface="Lucida Console" panose="020B0609040504020204" pitchFamily="49" charset="0"/>
+              </a:rPr>
+              <a:t>  </a:t>
+            </a:r>
+            <a:r>
+              <a:rPr lang="en-US" sz="1000" dirty="0" err="1">
+                <a:solidFill>
+                  <a:schemeClr val="bg1"/>
+                </a:solidFill>
+                <a:latin typeface="Lucida Console" panose="020B0609040504020204" pitchFamily="49" charset="0"/>
+              </a:rPr>
+              <a:t>ggtitle</a:t>
+            </a:r>
+            <a:r>
+              <a:rPr lang="en-US" sz="1000" dirty="0">
+                <a:solidFill>
+                  <a:schemeClr val="accent4"/>
+                </a:solidFill>
+                <a:latin typeface="Lucida Console" panose="020B0609040504020204" pitchFamily="49" charset="0"/>
+              </a:rPr>
+              <a:t>(</a:t>
+            </a:r>
+            <a:r>
+              <a:rPr lang="en-US" sz="1000" dirty="0">
+                <a:solidFill>
+                  <a:schemeClr val="accent6">
+                    <a:lumMod val="40000"/>
+                    <a:lumOff val="60000"/>
+                  </a:schemeClr>
+                </a:solidFill>
+                <a:latin typeface="Lucida Console" panose="020B0609040504020204" pitchFamily="49" charset="0"/>
+              </a:rPr>
+              <a:t>"Gross Domestic Product by Country, Log Transform"</a:t>
+            </a:r>
+            <a:r>
+              <a:rPr lang="en-US" sz="1000" dirty="0">
+                <a:solidFill>
+                  <a:schemeClr val="accent4"/>
+                </a:solidFill>
+                <a:latin typeface="Lucida Console" panose="020B0609040504020204" pitchFamily="49" charset="0"/>
+              </a:rPr>
+              <a:t>)</a:t>
+            </a:r>
+          </a:p>
+          <a:p>
+            <a:r>
+              <a:rPr lang="en-US" sz="1000" dirty="0" err="1">
+                <a:solidFill>
+                  <a:schemeClr val="bg1"/>
+                </a:solidFill>
+                <a:latin typeface="Lucida Console" panose="020B0609040504020204" pitchFamily="49" charset="0"/>
+              </a:rPr>
+              <a:t>GDP_country_point</a:t>
+            </a:r>
+            <a:endParaRPr lang="en-US" sz="1000" dirty="0">
+              <a:solidFill>
+                <a:schemeClr val="accent1"/>
+              </a:solidFill>
+              <a:latin typeface="Lucida Console" panose="020B0609040504020204" pitchFamily="49" charset="0"/>
+            </a:endParaRPr>
+          </a:p>
+        </p:txBody>
+      </p:sp>
+      <p:sp>
+        <p:nvSpPr>
+          <p:cNvPr id="8" name="TextBox 7">
+            <a:extLst>
+              <a:ext uri="{FF2B5EF4-FFF2-40B4-BE49-F238E27FC236}">
+                <a16:creationId xmlns:a16="http://schemas.microsoft.com/office/drawing/2014/main" id="{596B0FA8-293B-4FE0-907E-386BA2795B9A}"/>
+              </a:ext>
+            </a:extLst>
+          </p:cNvPr>
+          <p:cNvSpPr txBox="1"/>
+          <p:nvPr/>
+        </p:nvSpPr>
+        <p:spPr>
+          <a:xfrm>
+            <a:off x="8465270" y="1115670"/>
+            <a:ext cx="3224354" cy="261610"/>
+          </a:xfrm>
+          <a:prstGeom prst="rect">
+            <a:avLst/>
+          </a:prstGeom>
+          <a:noFill/>
+        </p:spPr>
+        <p:txBody>
+          <a:bodyPr wrap="square" rtlCol="0">
+            <a:spAutoFit/>
+          </a:bodyPr>
+          <a:lstStyle/>
+          <a:p>
+            <a:r>
+              <a:rPr lang="en-US" sz="1100" b="1" dirty="0">
+                <a:solidFill>
+                  <a:srgbClr val="545454"/>
+                </a:solidFill>
+                <a:latin typeface="Calibri" panose="020F0502020204030204" pitchFamily="34" charset="0"/>
+                <a:cs typeface="Calibri" panose="020F0502020204030204" pitchFamily="34" charset="0"/>
+              </a:rPr>
+              <a:t>Gross Domestic Product by Country, Log Transform</a:t>
+            </a:r>
+          </a:p>
+        </p:txBody>
+      </p:sp>
+      <p:sp>
+        <p:nvSpPr>
+          <p:cNvPr id="9" name="TextBox 8">
+            <a:extLst>
+              <a:ext uri="{FF2B5EF4-FFF2-40B4-BE49-F238E27FC236}">
+                <a16:creationId xmlns:a16="http://schemas.microsoft.com/office/drawing/2014/main" id="{9A971E66-8600-4206-BB79-B2F6B1C76F29}"/>
+              </a:ext>
+            </a:extLst>
+          </p:cNvPr>
+          <p:cNvSpPr txBox="1"/>
+          <p:nvPr/>
+        </p:nvSpPr>
+        <p:spPr>
+          <a:xfrm>
+            <a:off x="475903" y="5156462"/>
+            <a:ext cx="5896617" cy="1477328"/>
+          </a:xfrm>
+          <a:prstGeom prst="rect">
+            <a:avLst/>
+          </a:prstGeom>
+          <a:noFill/>
+        </p:spPr>
+        <p:txBody>
+          <a:bodyPr wrap="square" rtlCol="0">
+            <a:spAutoFit/>
+          </a:bodyPr>
+          <a:lstStyle/>
+          <a:p>
+            <a:pPr marL="230188" indent="-228600">
+              <a:buFont typeface="Arial" panose="020B0604020202020204" pitchFamily="34" charset="0"/>
+              <a:buChar char="•"/>
+            </a:pPr>
+            <a:r>
+              <a:rPr lang="en-US" dirty="0"/>
+              <a:t>Collected top and bottom 20 countries by QoL variable</a:t>
+            </a:r>
+          </a:p>
+          <a:p>
+            <a:pPr marL="230188" indent="-228600">
+              <a:buFont typeface="Arial" panose="020B0604020202020204" pitchFamily="34" charset="0"/>
+              <a:buChar char="•"/>
+            </a:pPr>
+            <a:r>
+              <a:rPr lang="en-US" dirty="0"/>
+              <a:t>Used </a:t>
+            </a:r>
+            <a:r>
+              <a:rPr lang="en-US" sz="1400" dirty="0">
+                <a:solidFill>
+                  <a:srgbClr val="545454"/>
+                </a:solidFill>
+                <a:latin typeface="Lucida Console" panose="020B0609040504020204" pitchFamily="49" charset="0"/>
+              </a:rPr>
+              <a:t>color</a:t>
+            </a:r>
+            <a:r>
+              <a:rPr lang="en-US" dirty="0"/>
+              <a:t> column to color country names</a:t>
+            </a:r>
+            <a:endParaRPr lang="en-US" sz="1400" dirty="0">
+              <a:solidFill>
+                <a:srgbClr val="545454"/>
+              </a:solidFill>
+              <a:latin typeface="Lucida Console" panose="020B0609040504020204" pitchFamily="49" charset="0"/>
+            </a:endParaRPr>
+          </a:p>
+          <a:p>
+            <a:pPr marL="230188" indent="-228600">
+              <a:buFont typeface="Arial" panose="020B0604020202020204" pitchFamily="34" charset="0"/>
+              <a:buChar char="•"/>
+            </a:pPr>
+            <a:r>
+              <a:rPr lang="en-US" dirty="0"/>
+              <a:t>Used </a:t>
+            </a:r>
+            <a:r>
+              <a:rPr lang="en-US" sz="1400" dirty="0" err="1">
+                <a:solidFill>
+                  <a:srgbClr val="545454"/>
+                </a:solidFill>
+                <a:latin typeface="Lucida Console" panose="020B0609040504020204" pitchFamily="49" charset="0"/>
+              </a:rPr>
+              <a:t>scale_color_manual</a:t>
+            </a:r>
+            <a:r>
+              <a:rPr lang="en-US" sz="1400" dirty="0">
+                <a:solidFill>
+                  <a:srgbClr val="545454"/>
+                </a:solidFill>
+                <a:latin typeface="Lucida Console" panose="020B0609040504020204" pitchFamily="49" charset="0"/>
+              </a:rPr>
+              <a:t>()</a:t>
+            </a:r>
+            <a:r>
+              <a:rPr lang="en-US" dirty="0"/>
+              <a:t> (contains hex codes for red for US, blue otherwise) to color </a:t>
+            </a:r>
+            <a:r>
+              <a:rPr lang="en-US" sz="1400" dirty="0" err="1">
+                <a:solidFill>
+                  <a:srgbClr val="545454"/>
+                </a:solidFill>
+                <a:latin typeface="Lucida Console" panose="020B0609040504020204" pitchFamily="49" charset="0"/>
+              </a:rPr>
+              <a:t>geom_point</a:t>
+            </a:r>
+            <a:r>
+              <a:rPr lang="en-US" sz="1400" dirty="0">
+                <a:solidFill>
+                  <a:srgbClr val="545454"/>
+                </a:solidFill>
+                <a:latin typeface="Lucida Console" panose="020B0609040504020204" pitchFamily="49" charset="0"/>
+              </a:rPr>
+              <a:t>()</a:t>
+            </a:r>
+          </a:p>
+          <a:p>
+            <a:pPr marL="230188" indent="-228600">
+              <a:buFont typeface="Arial" panose="020B0604020202020204" pitchFamily="34" charset="0"/>
+              <a:buChar char="•"/>
+            </a:pPr>
+            <a:endParaRPr lang="en-US" dirty="0"/>
           </a:p>
         </p:txBody>
       </p:sp>
     </p:spTree>
     <p:extLst>
       <p:ext uri="{BB962C8B-B14F-4D97-AF65-F5344CB8AC3E}">
-        <p14:creationId xmlns:p14="http://schemas.microsoft.com/office/powerpoint/2010/main" val="870407094"/>
+        <p14:creationId xmlns:p14="http://schemas.microsoft.com/office/powerpoint/2010/main" val="4283371893"/>
       </p:ext>
     </p:extLst>
   </p:cSld>
@@ -5845,7 +8090,7 @@
           <p:cNvPr id="2" name="Title 1">
             <a:extLst>
               <a:ext uri="{FF2B5EF4-FFF2-40B4-BE49-F238E27FC236}">
-                <a16:creationId xmlns:a16="http://schemas.microsoft.com/office/drawing/2014/main" id="{3234EA4A-0D04-4C19-8DA6-CBDA2C98E30D}"/>
+                <a16:creationId xmlns:a16="http://schemas.microsoft.com/office/drawing/2014/main" id="{D285681B-5BC2-4BB9-ACCC-3BB19767B48F}"/>
               </a:ext>
             </a:extLst>
           </p:cNvPr>
@@ -5863,7 +8108,7 @@
           <a:p>
             <a:r>
               <a:rPr lang="en-US" dirty="0"/>
-              <a:t>SENSITIVITY ANALYSIS</a:t>
+              <a:t>K-MEANS CLUSTERING</a:t>
             </a:r>
           </a:p>
         </p:txBody>
@@ -5873,7 +8118,7 @@
           <p:cNvPr id="3" name="Content Placeholder 2">
             <a:extLst>
               <a:ext uri="{FF2B5EF4-FFF2-40B4-BE49-F238E27FC236}">
-                <a16:creationId xmlns:a16="http://schemas.microsoft.com/office/drawing/2014/main" id="{71ECA0D4-E004-4544-870E-AA6801722539}"/>
+                <a16:creationId xmlns:a16="http://schemas.microsoft.com/office/drawing/2014/main" id="{37826D68-98E2-4D7D-A23F-B168031934ED}"/>
               </a:ext>
             </a:extLst>
           </p:cNvPr>
@@ -5886,17 +8131,152 @@
         </p:nvSpPr>
         <p:spPr/>
         <p:txBody>
-          <a:bodyPr/>
+          <a:bodyPr>
+            <a:normAutofit fontScale="92500" lnSpcReduction="20000"/>
+          </a:bodyPr>
           <a:lstStyle/>
           <a:p>
-            <a:endParaRPr lang="en-US"/>
+            <a:r>
+              <a:rPr lang="en-US" dirty="0"/>
+              <a:t>Unsupervised learning algorithm that classifies datapoints into </a:t>
+            </a:r>
+            <a:r>
+              <a:rPr lang="en-US" i="1" dirty="0"/>
+              <a:t>k</a:t>
+            </a:r>
+            <a:r>
+              <a:rPr lang="en-US" dirty="0"/>
+              <a:t> groups (or “clusters”) by minimizing total within-cluster variation for all clusters</a:t>
+            </a:r>
+          </a:p>
+          <a:p>
+            <a:pPr lvl="1"/>
+            <a:r>
+              <a:rPr lang="en-US" dirty="0"/>
+              <a:t>Uses function </a:t>
+            </a:r>
+            <a:r>
+              <a:rPr lang="en-US" sz="2000" dirty="0" err="1">
+                <a:latin typeface="Lucida Console" panose="020B0609040504020204" pitchFamily="49" charset="0"/>
+              </a:rPr>
+              <a:t>kmeans</a:t>
+            </a:r>
+            <a:r>
+              <a:rPr lang="en-US" sz="2000" dirty="0">
+                <a:latin typeface="Lucida Console" panose="020B0609040504020204" pitchFamily="49" charset="0"/>
+              </a:rPr>
+              <a:t>()</a:t>
+            </a:r>
+            <a:r>
+              <a:rPr lang="en-US" dirty="0"/>
+              <a:t>, specify desired </a:t>
+            </a:r>
+            <a:r>
+              <a:rPr lang="en-US" i="1" dirty="0"/>
+              <a:t>k</a:t>
+            </a:r>
+          </a:p>
+          <a:p>
+            <a:r>
+              <a:rPr lang="en-US" dirty="0"/>
+              <a:t>Useful when looking for some underlying grouping that naturally exists</a:t>
+            </a:r>
+          </a:p>
+          <a:p>
+            <a:r>
+              <a:rPr lang="en-US" dirty="0"/>
+              <a:t>In this study:  bivariate data plotted in the 2D plane, suspect </a:t>
+            </a:r>
+            <a:r>
+              <a:rPr lang="en-US" i="1" dirty="0"/>
+              <a:t>k</a:t>
+            </a:r>
+            <a:r>
+              <a:rPr lang="en-US" dirty="0"/>
+              <a:t> = 4 groups (HDI categories, more on next slide)</a:t>
+            </a:r>
+          </a:p>
+          <a:p>
+            <a:r>
+              <a:rPr lang="en-US" dirty="0"/>
+              <a:t>Iterative process that works by:</a:t>
+            </a:r>
+          </a:p>
+          <a:p>
+            <a:pPr marL="914400" lvl="1" indent="-457200">
+              <a:buFont typeface="+mj-lt"/>
+              <a:buAutoNum type="arabicPeriod"/>
+            </a:pPr>
+            <a:r>
+              <a:rPr lang="en-US" dirty="0"/>
+              <a:t>Establishing </a:t>
+            </a:r>
+            <a:r>
+              <a:rPr lang="en-US" i="1" dirty="0"/>
+              <a:t>k</a:t>
+            </a:r>
+            <a:r>
+              <a:rPr lang="en-US" dirty="0"/>
+              <a:t> centroids</a:t>
+            </a:r>
+          </a:p>
+          <a:p>
+            <a:pPr marL="914400" lvl="1" indent="-457200">
+              <a:buFont typeface="+mj-lt"/>
+              <a:buAutoNum type="arabicPeriod"/>
+            </a:pPr>
+            <a:r>
+              <a:rPr lang="en-US" dirty="0"/>
+              <a:t>Classifying each point by which centroid is closest</a:t>
+            </a:r>
+          </a:p>
+          <a:p>
+            <a:pPr marL="914400" lvl="1" indent="-457200">
+              <a:buFont typeface="+mj-lt"/>
+              <a:buAutoNum type="arabicPeriod"/>
+            </a:pPr>
+            <a:r>
+              <a:rPr lang="en-US" dirty="0"/>
+              <a:t>Moving the centroids to the center of their corresponding clusters</a:t>
+            </a:r>
+          </a:p>
+          <a:p>
+            <a:pPr marL="914400" lvl="1" indent="-457200">
+              <a:buFont typeface="+mj-lt"/>
+              <a:buAutoNum type="arabicPeriod"/>
+            </a:pPr>
+            <a:r>
+              <a:rPr lang="en-US" dirty="0"/>
+              <a:t>Repeating Steps 1-3 until centroids no longer move (convergence)</a:t>
+            </a:r>
+          </a:p>
+          <a:p>
+            <a:pPr lvl="2"/>
+            <a:r>
+              <a:rPr lang="en-US" dirty="0"/>
+              <a:t>Classification established by terminal iteration is the clustering</a:t>
+            </a:r>
+          </a:p>
+          <a:p>
+            <a:r>
+              <a:rPr lang="en-US" dirty="0"/>
+              <a:t>Can perform sensitivity analysis by varying </a:t>
+            </a:r>
+            <a:r>
+              <a:rPr lang="en-US" i="1" dirty="0"/>
+              <a:t>k</a:t>
+            </a:r>
+            <a:r>
+              <a:rPr lang="en-US" dirty="0"/>
+              <a:t> and observing what/how clusters change</a:t>
+            </a:r>
           </a:p>
         </p:txBody>
       </p:sp>
     </p:spTree>
     <p:extLst>
       <p:ext uri="{BB962C8B-B14F-4D97-AF65-F5344CB8AC3E}">
-        <p14:creationId xmlns:p14="http://schemas.microsoft.com/office/powerpoint/2010/main" val="1833157175"/>
+        <p14:creationId xmlns:p14="http://schemas.microsoft.com/office/powerpoint/2010/main" val="3816448275"/>
       </p:ext>
     </p:extLst>
   </p:cSld>
@@ -5925,10 +8305,10 @@
       </p:grpSpPr>
       <p:sp>
         <p:nvSpPr>
-          <p:cNvPr id="2" name="Title 1">
+          <p:cNvPr id="4" name="Title 3">
             <a:extLst>
               <a:ext uri="{FF2B5EF4-FFF2-40B4-BE49-F238E27FC236}">
-                <a16:creationId xmlns:a16="http://schemas.microsoft.com/office/drawing/2014/main" id="{219FC961-4E73-41A2-A54A-93E766693C90}"/>
+                <a16:creationId xmlns:a16="http://schemas.microsoft.com/office/drawing/2014/main" id="{762E26D9-100C-420B-9ED4-EAC50CF40E21}"/>
               </a:ext>
             </a:extLst>
           </p:cNvPr>
@@ -5941,45 +8321,22 @@
         </p:nvSpPr>
         <p:spPr/>
         <p:txBody>
-          <a:bodyPr/>
+          <a:bodyPr>
+            <a:normAutofit/>
+          </a:bodyPr>
           <a:lstStyle/>
           <a:p>
             <a:r>
-              <a:rPr lang="en-US" dirty="0"/>
-              <a:t>DISCUSSION</a:t>
-            </a:r>
-          </a:p>
-        </p:txBody>
-      </p:sp>
-      <p:sp>
-        <p:nvSpPr>
-          <p:cNvPr id="3" name="Content Placeholder 2">
-            <a:extLst>
-              <a:ext uri="{FF2B5EF4-FFF2-40B4-BE49-F238E27FC236}">
-                <a16:creationId xmlns:a16="http://schemas.microsoft.com/office/drawing/2014/main" id="{148AF7E9-44A2-48A8-A8CF-67A80389B59B}"/>
-              </a:ext>
-            </a:extLst>
-          </p:cNvPr>
-          <p:cNvSpPr>
-            <a:spLocks noGrp="1"/>
-          </p:cNvSpPr>
-          <p:nvPr>
-            <p:ph idx="1"/>
-          </p:nvPr>
-        </p:nvSpPr>
-        <p:spPr/>
-        <p:txBody>
-          <a:bodyPr/>
-          <a:lstStyle/>
-          <a:p>
-            <a:endParaRPr lang="en-US"/>
+              <a:rPr lang="en-US" sz="4800" b="1" dirty="0"/>
+              <a:t>RESULTS</a:t>
+            </a:r>
           </a:p>
         </p:txBody>
       </p:sp>
     </p:spTree>
     <p:extLst>
       <p:ext uri="{BB962C8B-B14F-4D97-AF65-F5344CB8AC3E}">
-        <p14:creationId xmlns:p14="http://schemas.microsoft.com/office/powerpoint/2010/main" val="1397751707"/>
+        <p14:creationId xmlns:p14="http://schemas.microsoft.com/office/powerpoint/2010/main" val="3547779740"/>
       </p:ext>
     </p:extLst>
   </p:cSld>
@@ -5992,7 +8349,7 @@
 <file path=ppt/theme/theme1.xml><?xml version="1.0" encoding="utf-8"?>
 <a:theme xmlns:a="http://schemas.openxmlformats.org/drawingml/2006/main" name="Metropolitan">
   <a:themeElements>
-    <a:clrScheme name="Wes_Anderson_Darjeeling1">
+    <a:clrScheme name="Custom 2">
       <a:dk1>
         <a:sysClr val="windowText" lastClr="000000"/>
       </a:dk1>
@@ -6024,7 +8381,7 @@
         <a:srgbClr val="0BAD35"/>
       </a:accent6>
       <a:hlink>
-        <a:srgbClr val="00A08A"/>
+        <a:srgbClr val="5BBCD6"/>
       </a:hlink>
       <a:folHlink>
         <a:srgbClr val="545454"/>
